--- a/Immagini.pptx
+++ b/Immagini.pptx
@@ -289,7 +289,7 @@
           <a:p>
             <a:fld id="{735A5A5A-13E6-426C-BD01-CE84E099EDA9}" type="datetimeFigureOut">
               <a:rPr lang="it-IT" smtClean="0"/>
-              <a:t>31/01/2020</a:t>
+              <a:t>08/02/2020</a:t>
             </a:fld>
             <a:endParaRPr lang="it-IT"/>
           </a:p>
@@ -487,7 +487,7 @@
           <a:p>
             <a:fld id="{735A5A5A-13E6-426C-BD01-CE84E099EDA9}" type="datetimeFigureOut">
               <a:rPr lang="it-IT" smtClean="0"/>
-              <a:t>31/01/2020</a:t>
+              <a:t>08/02/2020</a:t>
             </a:fld>
             <a:endParaRPr lang="it-IT"/>
           </a:p>
@@ -695,7 +695,7 @@
           <a:p>
             <a:fld id="{735A5A5A-13E6-426C-BD01-CE84E099EDA9}" type="datetimeFigureOut">
               <a:rPr lang="it-IT" smtClean="0"/>
-              <a:t>31/01/2020</a:t>
+              <a:t>08/02/2020</a:t>
             </a:fld>
             <a:endParaRPr lang="it-IT"/>
           </a:p>
@@ -893,7 +893,7 @@
           <a:p>
             <a:fld id="{735A5A5A-13E6-426C-BD01-CE84E099EDA9}" type="datetimeFigureOut">
               <a:rPr lang="it-IT" smtClean="0"/>
-              <a:t>31/01/2020</a:t>
+              <a:t>08/02/2020</a:t>
             </a:fld>
             <a:endParaRPr lang="it-IT"/>
           </a:p>
@@ -1168,7 +1168,7 @@
           <a:p>
             <a:fld id="{735A5A5A-13E6-426C-BD01-CE84E099EDA9}" type="datetimeFigureOut">
               <a:rPr lang="it-IT" smtClean="0"/>
-              <a:t>31/01/2020</a:t>
+              <a:t>08/02/2020</a:t>
             </a:fld>
             <a:endParaRPr lang="it-IT"/>
           </a:p>
@@ -1433,7 +1433,7 @@
           <a:p>
             <a:fld id="{735A5A5A-13E6-426C-BD01-CE84E099EDA9}" type="datetimeFigureOut">
               <a:rPr lang="it-IT" smtClean="0"/>
-              <a:t>31/01/2020</a:t>
+              <a:t>08/02/2020</a:t>
             </a:fld>
             <a:endParaRPr lang="it-IT"/>
           </a:p>
@@ -1845,7 +1845,7 @@
           <a:p>
             <a:fld id="{735A5A5A-13E6-426C-BD01-CE84E099EDA9}" type="datetimeFigureOut">
               <a:rPr lang="it-IT" smtClean="0"/>
-              <a:t>31/01/2020</a:t>
+              <a:t>08/02/2020</a:t>
             </a:fld>
             <a:endParaRPr lang="it-IT"/>
           </a:p>
@@ -1986,7 +1986,7 @@
           <a:p>
             <a:fld id="{735A5A5A-13E6-426C-BD01-CE84E099EDA9}" type="datetimeFigureOut">
               <a:rPr lang="it-IT" smtClean="0"/>
-              <a:t>31/01/2020</a:t>
+              <a:t>08/02/2020</a:t>
             </a:fld>
             <a:endParaRPr lang="it-IT"/>
           </a:p>
@@ -2099,7 +2099,7 @@
           <a:p>
             <a:fld id="{735A5A5A-13E6-426C-BD01-CE84E099EDA9}" type="datetimeFigureOut">
               <a:rPr lang="it-IT" smtClean="0"/>
-              <a:t>31/01/2020</a:t>
+              <a:t>08/02/2020</a:t>
             </a:fld>
             <a:endParaRPr lang="it-IT"/>
           </a:p>
@@ -2410,7 +2410,7 @@
           <a:p>
             <a:fld id="{735A5A5A-13E6-426C-BD01-CE84E099EDA9}" type="datetimeFigureOut">
               <a:rPr lang="it-IT" smtClean="0"/>
-              <a:t>31/01/2020</a:t>
+              <a:t>08/02/2020</a:t>
             </a:fld>
             <a:endParaRPr lang="it-IT"/>
           </a:p>
@@ -2698,7 +2698,7 @@
           <a:p>
             <a:fld id="{735A5A5A-13E6-426C-BD01-CE84E099EDA9}" type="datetimeFigureOut">
               <a:rPr lang="it-IT" smtClean="0"/>
-              <a:t>31/01/2020</a:t>
+              <a:t>08/02/2020</a:t>
             </a:fld>
             <a:endParaRPr lang="it-IT"/>
           </a:p>
@@ -2939,7 +2939,7 @@
           <a:p>
             <a:fld id="{735A5A5A-13E6-426C-BD01-CE84E099EDA9}" type="datetimeFigureOut">
               <a:rPr lang="it-IT" smtClean="0"/>
-              <a:t>31/01/2020</a:t>
+              <a:t>08/02/2020</a:t>
             </a:fld>
             <a:endParaRPr lang="it-IT"/>
           </a:p>
@@ -7356,7 +7356,7 @@
                     </a:schemeClr>
                   </a:solidFill>
                 </a:rPr>
-                <a:t>LArDet</a:t>
+                <a:t>ArgonCube</a:t>
               </a:r>
               <a:endParaRPr lang="it-IT" sz="1600" dirty="0">
                 <a:solidFill>

--- a/Immagini.pptx
+++ b/Immagini.pptx
@@ -8,11 +8,14 @@
     <p:sldId id="256" r:id="rId2"/>
     <p:sldId id="264" r:id="rId3"/>
     <p:sldId id="265" r:id="rId4"/>
-    <p:sldId id="262" r:id="rId5"/>
-    <p:sldId id="260" r:id="rId6"/>
-    <p:sldId id="261" r:id="rId7"/>
-    <p:sldId id="259" r:id="rId8"/>
-    <p:sldId id="257" r:id="rId9"/>
+    <p:sldId id="266" r:id="rId5"/>
+    <p:sldId id="267" r:id="rId6"/>
+    <p:sldId id="268" r:id="rId7"/>
+    <p:sldId id="262" r:id="rId8"/>
+    <p:sldId id="260" r:id="rId9"/>
+    <p:sldId id="261" r:id="rId10"/>
+    <p:sldId id="259" r:id="rId11"/>
+    <p:sldId id="257" r:id="rId12"/>
   </p:sldIdLst>
   <p:sldSz cx="12192000" cy="6858000"/>
   <p:notesSz cx="6858000" cy="9144000"/>
@@ -289,7 +292,7 @@
           <a:p>
             <a:fld id="{735A5A5A-13E6-426C-BD01-CE84E099EDA9}" type="datetimeFigureOut">
               <a:rPr lang="it-IT" smtClean="0"/>
-              <a:t>08/02/2020</a:t>
+              <a:t>26/02/2020</a:t>
             </a:fld>
             <a:endParaRPr lang="it-IT"/>
           </a:p>
@@ -487,7 +490,7 @@
           <a:p>
             <a:fld id="{735A5A5A-13E6-426C-BD01-CE84E099EDA9}" type="datetimeFigureOut">
               <a:rPr lang="it-IT" smtClean="0"/>
-              <a:t>08/02/2020</a:t>
+              <a:t>26/02/2020</a:t>
             </a:fld>
             <a:endParaRPr lang="it-IT"/>
           </a:p>
@@ -695,7 +698,7 @@
           <a:p>
             <a:fld id="{735A5A5A-13E6-426C-BD01-CE84E099EDA9}" type="datetimeFigureOut">
               <a:rPr lang="it-IT" smtClean="0"/>
-              <a:t>08/02/2020</a:t>
+              <a:t>26/02/2020</a:t>
             </a:fld>
             <a:endParaRPr lang="it-IT"/>
           </a:p>
@@ -893,7 +896,7 @@
           <a:p>
             <a:fld id="{735A5A5A-13E6-426C-BD01-CE84E099EDA9}" type="datetimeFigureOut">
               <a:rPr lang="it-IT" smtClean="0"/>
-              <a:t>08/02/2020</a:t>
+              <a:t>26/02/2020</a:t>
             </a:fld>
             <a:endParaRPr lang="it-IT"/>
           </a:p>
@@ -1168,7 +1171,7 @@
           <a:p>
             <a:fld id="{735A5A5A-13E6-426C-BD01-CE84E099EDA9}" type="datetimeFigureOut">
               <a:rPr lang="it-IT" smtClean="0"/>
-              <a:t>08/02/2020</a:t>
+              <a:t>26/02/2020</a:t>
             </a:fld>
             <a:endParaRPr lang="it-IT"/>
           </a:p>
@@ -1433,7 +1436,7 @@
           <a:p>
             <a:fld id="{735A5A5A-13E6-426C-BD01-CE84E099EDA9}" type="datetimeFigureOut">
               <a:rPr lang="it-IT" smtClean="0"/>
-              <a:t>08/02/2020</a:t>
+              <a:t>26/02/2020</a:t>
             </a:fld>
             <a:endParaRPr lang="it-IT"/>
           </a:p>
@@ -1845,7 +1848,7 @@
           <a:p>
             <a:fld id="{735A5A5A-13E6-426C-BD01-CE84E099EDA9}" type="datetimeFigureOut">
               <a:rPr lang="it-IT" smtClean="0"/>
-              <a:t>08/02/2020</a:t>
+              <a:t>26/02/2020</a:t>
             </a:fld>
             <a:endParaRPr lang="it-IT"/>
           </a:p>
@@ -1986,7 +1989,7 @@
           <a:p>
             <a:fld id="{735A5A5A-13E6-426C-BD01-CE84E099EDA9}" type="datetimeFigureOut">
               <a:rPr lang="it-IT" smtClean="0"/>
-              <a:t>08/02/2020</a:t>
+              <a:t>26/02/2020</a:t>
             </a:fld>
             <a:endParaRPr lang="it-IT"/>
           </a:p>
@@ -2099,7 +2102,7 @@
           <a:p>
             <a:fld id="{735A5A5A-13E6-426C-BD01-CE84E099EDA9}" type="datetimeFigureOut">
               <a:rPr lang="it-IT" smtClean="0"/>
-              <a:t>08/02/2020</a:t>
+              <a:t>26/02/2020</a:t>
             </a:fld>
             <a:endParaRPr lang="it-IT"/>
           </a:p>
@@ -2410,7 +2413,7 @@
           <a:p>
             <a:fld id="{735A5A5A-13E6-426C-BD01-CE84E099EDA9}" type="datetimeFigureOut">
               <a:rPr lang="it-IT" smtClean="0"/>
-              <a:t>08/02/2020</a:t>
+              <a:t>26/02/2020</a:t>
             </a:fld>
             <a:endParaRPr lang="it-IT"/>
           </a:p>
@@ -2698,7 +2701,7 @@
           <a:p>
             <a:fld id="{735A5A5A-13E6-426C-BD01-CE84E099EDA9}" type="datetimeFigureOut">
               <a:rPr lang="it-IT" smtClean="0"/>
-              <a:t>08/02/2020</a:t>
+              <a:t>26/02/2020</a:t>
             </a:fld>
             <a:endParaRPr lang="it-IT"/>
           </a:p>
@@ -2939,7 +2942,7 @@
           <a:p>
             <a:fld id="{735A5A5A-13E6-426C-BD01-CE84E099EDA9}" type="datetimeFigureOut">
               <a:rPr lang="it-IT" smtClean="0"/>
-              <a:t>08/02/2020</a:t>
+              <a:t>26/02/2020</a:t>
             </a:fld>
             <a:endParaRPr lang="it-IT"/>
           </a:p>
@@ -3762,6 +3765,807 @@
     <p:extLst>
       <p:ext uri="{BB962C8B-B14F-4D97-AF65-F5344CB8AC3E}">
         <p14:creationId xmlns:p14="http://schemas.microsoft.com/office/powerpoint/2010/main" val="596288234"/>
+      </p:ext>
+    </p:extLst>
+  </p:cSld>
+  <p:clrMapOvr>
+    <a:masterClrMapping/>
+  </p:clrMapOvr>
+</p:sld>
+</file>
+
+<file path=ppt/slides/slide10.xml><?xml version="1.0" encoding="utf-8"?>
+<p:sld xmlns:a="http://schemas.openxmlformats.org/drawingml/2006/main" xmlns:r="http://schemas.openxmlformats.org/officeDocument/2006/relationships" xmlns:p="http://schemas.openxmlformats.org/presentationml/2006/main">
+  <p:cSld>
+    <p:spTree>
+      <p:nvGrpSpPr>
+        <p:cNvPr id="1" name=""/>
+        <p:cNvGrpSpPr/>
+        <p:nvPr/>
+      </p:nvGrpSpPr>
+      <p:grpSpPr>
+        <a:xfrm>
+          <a:off x="0" y="0"/>
+          <a:ext cx="0" cy="0"/>
+          <a:chOff x="0" y="0"/>
+          <a:chExt cx="0" cy="0"/>
+        </a:xfrm>
+      </p:grpSpPr>
+      <p:grpSp>
+        <p:nvGrpSpPr>
+          <p:cNvPr id="9" name="Gruppo 8">
+            <a:extLst>
+              <a:ext uri="{FF2B5EF4-FFF2-40B4-BE49-F238E27FC236}">
+                <a16:creationId xmlns:a16="http://schemas.microsoft.com/office/drawing/2014/main" id="{C7C1F191-13FE-4A83-86AB-46BF4CF6C617}"/>
+              </a:ext>
+            </a:extLst>
+          </p:cNvPr>
+          <p:cNvGrpSpPr/>
+          <p:nvPr/>
+        </p:nvGrpSpPr>
+        <p:grpSpPr>
+          <a:xfrm>
+            <a:off x="2692118" y="1370011"/>
+            <a:ext cx="7402141" cy="4079877"/>
+            <a:chOff x="2654018" y="1389061"/>
+            <a:chExt cx="7402141" cy="4079877"/>
+          </a:xfrm>
+        </p:grpSpPr>
+        <p:pic>
+          <p:nvPicPr>
+            <p:cNvPr id="3" name="Immagine 2" descr="Immagine che contiene giocattolo, luce, traffico, via&#10;&#10;Descrizione generata automaticamente">
+              <a:extLst>
+                <a:ext uri="{FF2B5EF4-FFF2-40B4-BE49-F238E27FC236}">
+                  <a16:creationId xmlns:a16="http://schemas.microsoft.com/office/drawing/2014/main" id="{B6254460-EF1F-405A-BE2B-9351ED930C97}"/>
+                </a:ext>
+              </a:extLst>
+            </p:cNvPr>
+            <p:cNvPicPr>
+              <a:picLocks noChangeAspect="1"/>
+            </p:cNvPicPr>
+            <p:nvPr/>
+          </p:nvPicPr>
+          <p:blipFill rotWithShape="1">
+            <a:blip r:embed="rId2">
+              <a:extLst>
+                <a:ext uri="{28A0092B-C50C-407E-A947-70E740481C1C}">
+                  <a14:useLocalDpi xmlns:a14="http://schemas.microsoft.com/office/drawing/2010/main" val="0"/>
+                </a:ext>
+              </a:extLst>
+            </a:blip>
+            <a:srcRect t="27724" b="21681"/>
+            <a:stretch/>
+          </p:blipFill>
+          <p:spPr>
+            <a:xfrm>
+              <a:off x="2654018" y="1389061"/>
+              <a:ext cx="7209642" cy="4079877"/>
+            </a:xfrm>
+            <a:prstGeom prst="rect">
+              <a:avLst/>
+            </a:prstGeom>
+          </p:spPr>
+        </p:pic>
+        <p:sp>
+          <p:nvSpPr>
+            <p:cNvPr id="6" name="Callout: linea piegata con bordo e barra in risalto 5">
+              <a:extLst>
+                <a:ext uri="{FF2B5EF4-FFF2-40B4-BE49-F238E27FC236}">
+                  <a16:creationId xmlns:a16="http://schemas.microsoft.com/office/drawing/2014/main" id="{9667458B-D97B-461F-874C-7FBEA3A71DA5}"/>
+                </a:ext>
+              </a:extLst>
+            </p:cNvPr>
+            <p:cNvSpPr/>
+            <p:nvPr/>
+          </p:nvSpPr>
+          <p:spPr>
+            <a:xfrm>
+              <a:off x="7179609" y="5258547"/>
+              <a:ext cx="1181100" cy="210391"/>
+            </a:xfrm>
+            <a:prstGeom prst="accentBorderCallout2">
+              <a:avLst>
+                <a:gd name="adj1" fmla="val 18750"/>
+                <a:gd name="adj2" fmla="val -8333"/>
+                <a:gd name="adj3" fmla="val 18750"/>
+                <a:gd name="adj4" fmla="val -16667"/>
+                <a:gd name="adj5" fmla="val -114101"/>
+                <a:gd name="adj6" fmla="val -44627"/>
+              </a:avLst>
+            </a:prstGeom>
+            <a:ln w="12700">
+              <a:solidFill>
+                <a:schemeClr val="accent1"/>
+              </a:solidFill>
+            </a:ln>
+          </p:spPr>
+          <p:style>
+            <a:lnRef idx="2">
+              <a:schemeClr val="accent1"/>
+            </a:lnRef>
+            <a:fillRef idx="1">
+              <a:schemeClr val="lt1"/>
+            </a:fillRef>
+            <a:effectRef idx="0">
+              <a:schemeClr val="accent1"/>
+            </a:effectRef>
+            <a:fontRef idx="minor">
+              <a:schemeClr val="dk1"/>
+            </a:fontRef>
+          </p:style>
+          <p:txBody>
+            <a:bodyPr rtlCol="0" anchor="ctr"/>
+            <a:lstStyle/>
+            <a:p>
+              <a:pPr algn="ctr"/>
+              <a:r>
+                <a:rPr lang="it-IT" sz="1600" dirty="0">
+                  <a:solidFill>
+                    <a:schemeClr val="accent1">
+                      <a:lumMod val="75000"/>
+                    </a:schemeClr>
+                  </a:solidFill>
+                </a:rPr>
+                <a:t>SAND</a:t>
+              </a:r>
+            </a:p>
+          </p:txBody>
+        </p:sp>
+        <p:sp>
+          <p:nvSpPr>
+            <p:cNvPr id="7" name="Callout: linea piegata con bordo e barra in risalto 6">
+              <a:extLst>
+                <a:ext uri="{FF2B5EF4-FFF2-40B4-BE49-F238E27FC236}">
+                  <a16:creationId xmlns:a16="http://schemas.microsoft.com/office/drawing/2014/main" id="{7B895BC5-F812-46DE-932A-0FC78ADC0AD0}"/>
+                </a:ext>
+              </a:extLst>
+            </p:cNvPr>
+            <p:cNvSpPr/>
+            <p:nvPr/>
+          </p:nvSpPr>
+          <p:spPr>
+            <a:xfrm>
+              <a:off x="8122584" y="4906122"/>
+              <a:ext cx="1181100" cy="210391"/>
+            </a:xfrm>
+            <a:prstGeom prst="accentBorderCallout2">
+              <a:avLst>
+                <a:gd name="adj1" fmla="val 18750"/>
+                <a:gd name="adj2" fmla="val -8333"/>
+                <a:gd name="adj3" fmla="val 18750"/>
+                <a:gd name="adj4" fmla="val -16667"/>
+                <a:gd name="adj5" fmla="val -114101"/>
+                <a:gd name="adj6" fmla="val -44627"/>
+              </a:avLst>
+            </a:prstGeom>
+            <a:ln w="12700">
+              <a:solidFill>
+                <a:schemeClr val="accent1"/>
+              </a:solidFill>
+            </a:ln>
+          </p:spPr>
+          <p:style>
+            <a:lnRef idx="2">
+              <a:schemeClr val="accent1"/>
+            </a:lnRef>
+            <a:fillRef idx="1">
+              <a:schemeClr val="lt1"/>
+            </a:fillRef>
+            <a:effectRef idx="0">
+              <a:schemeClr val="accent1"/>
+            </a:effectRef>
+            <a:fontRef idx="minor">
+              <a:schemeClr val="dk1"/>
+            </a:fontRef>
+          </p:style>
+          <p:txBody>
+            <a:bodyPr rtlCol="0" anchor="ctr"/>
+            <a:lstStyle/>
+            <a:p>
+              <a:pPr algn="ctr"/>
+              <a:r>
+                <a:rPr lang="it-IT" sz="1600" dirty="0" err="1">
+                  <a:solidFill>
+                    <a:schemeClr val="accent1">
+                      <a:lumMod val="75000"/>
+                    </a:schemeClr>
+                  </a:solidFill>
+                </a:rPr>
+                <a:t>HPgTPC</a:t>
+              </a:r>
+              <a:endParaRPr lang="it-IT" sz="1600" dirty="0">
+                <a:solidFill>
+                  <a:schemeClr val="accent1">
+                    <a:lumMod val="75000"/>
+                  </a:schemeClr>
+                </a:solidFill>
+              </a:endParaRPr>
+            </a:p>
+          </p:txBody>
+        </p:sp>
+        <p:sp>
+          <p:nvSpPr>
+            <p:cNvPr id="8" name="Callout: linea piegata con bordo e barra in risalto 7">
+              <a:extLst>
+                <a:ext uri="{FF2B5EF4-FFF2-40B4-BE49-F238E27FC236}">
+                  <a16:creationId xmlns:a16="http://schemas.microsoft.com/office/drawing/2014/main" id="{2883112E-F248-4EEF-88DF-09FCD4E5E32D}"/>
+                </a:ext>
+              </a:extLst>
+            </p:cNvPr>
+            <p:cNvSpPr/>
+            <p:nvPr/>
+          </p:nvSpPr>
+          <p:spPr>
+            <a:xfrm>
+              <a:off x="8875059" y="4553697"/>
+              <a:ext cx="1181100" cy="210391"/>
+            </a:xfrm>
+            <a:prstGeom prst="accentBorderCallout2">
+              <a:avLst>
+                <a:gd name="adj1" fmla="val 18750"/>
+                <a:gd name="adj2" fmla="val -8333"/>
+                <a:gd name="adj3" fmla="val 18750"/>
+                <a:gd name="adj4" fmla="val -16667"/>
+                <a:gd name="adj5" fmla="val -114101"/>
+                <a:gd name="adj6" fmla="val -44627"/>
+              </a:avLst>
+            </a:prstGeom>
+            <a:ln w="12700">
+              <a:solidFill>
+                <a:schemeClr val="accent1"/>
+              </a:solidFill>
+            </a:ln>
+          </p:spPr>
+          <p:style>
+            <a:lnRef idx="2">
+              <a:schemeClr val="accent1"/>
+            </a:lnRef>
+            <a:fillRef idx="1">
+              <a:schemeClr val="lt1"/>
+            </a:fillRef>
+            <a:effectRef idx="0">
+              <a:schemeClr val="accent1"/>
+            </a:effectRef>
+            <a:fontRef idx="minor">
+              <a:schemeClr val="dk1"/>
+            </a:fontRef>
+          </p:style>
+          <p:txBody>
+            <a:bodyPr rtlCol="0" anchor="ctr"/>
+            <a:lstStyle/>
+            <a:p>
+              <a:pPr algn="ctr"/>
+              <a:r>
+                <a:rPr lang="it-IT" sz="1600" dirty="0" err="1">
+                  <a:solidFill>
+                    <a:schemeClr val="accent1">
+                      <a:lumMod val="75000"/>
+                    </a:schemeClr>
+                  </a:solidFill>
+                </a:rPr>
+                <a:t>ArgonCube</a:t>
+              </a:r>
+              <a:endParaRPr lang="it-IT" sz="1600" dirty="0">
+                <a:solidFill>
+                  <a:schemeClr val="accent1">
+                    <a:lumMod val="75000"/>
+                  </a:schemeClr>
+                </a:solidFill>
+              </a:endParaRPr>
+            </a:p>
+          </p:txBody>
+        </p:sp>
+      </p:grpSp>
+    </p:spTree>
+    <p:extLst>
+      <p:ext uri="{BB962C8B-B14F-4D97-AF65-F5344CB8AC3E}">
+        <p14:creationId xmlns:p14="http://schemas.microsoft.com/office/powerpoint/2010/main" val="3902505457"/>
+      </p:ext>
+    </p:extLst>
+  </p:cSld>
+  <p:clrMapOvr>
+    <a:masterClrMapping/>
+  </p:clrMapOvr>
+</p:sld>
+</file>
+
+<file path=ppt/slides/slide11.xml><?xml version="1.0" encoding="utf-8"?>
+<p:sld xmlns:a="http://schemas.openxmlformats.org/drawingml/2006/main" xmlns:r="http://schemas.openxmlformats.org/officeDocument/2006/relationships" xmlns:p="http://schemas.openxmlformats.org/presentationml/2006/main">
+  <p:cSld>
+    <p:spTree>
+      <p:nvGrpSpPr>
+        <p:cNvPr id="1" name=""/>
+        <p:cNvGrpSpPr/>
+        <p:nvPr/>
+      </p:nvGrpSpPr>
+      <p:grpSpPr>
+        <a:xfrm>
+          <a:off x="0" y="0"/>
+          <a:ext cx="0" cy="0"/>
+          <a:chOff x="0" y="0"/>
+          <a:chExt cx="0" cy="0"/>
+        </a:xfrm>
+      </p:grpSpPr>
+      <p:grpSp>
+        <p:nvGrpSpPr>
+          <p:cNvPr id="11" name="Gruppo 10">
+            <a:extLst>
+              <a:ext uri="{FF2B5EF4-FFF2-40B4-BE49-F238E27FC236}">
+                <a16:creationId xmlns:a16="http://schemas.microsoft.com/office/drawing/2014/main" id="{A2B08006-68C6-4DD9-B6BB-E1446ECAE25D}"/>
+              </a:ext>
+            </a:extLst>
+          </p:cNvPr>
+          <p:cNvGrpSpPr/>
+          <p:nvPr/>
+        </p:nvGrpSpPr>
+        <p:grpSpPr>
+          <a:xfrm>
+            <a:off x="3362325" y="371475"/>
+            <a:ext cx="7362826" cy="6115050"/>
+            <a:chOff x="3362325" y="371475"/>
+            <a:chExt cx="7362826" cy="6115050"/>
+          </a:xfrm>
+        </p:grpSpPr>
+        <p:pic>
+          <p:nvPicPr>
+            <p:cNvPr id="5" name="Immagine 4" descr="Immagine che contiene bianco, sedendo, acqua, piatto&#10;&#10;Descrizione generata automaticamente">
+              <a:extLst>
+                <a:ext uri="{FF2B5EF4-FFF2-40B4-BE49-F238E27FC236}">
+                  <a16:creationId xmlns:a16="http://schemas.microsoft.com/office/drawing/2014/main" id="{E3B9F191-0E67-43E2-80F7-EC87BD4BCB74}"/>
+                </a:ext>
+              </a:extLst>
+            </p:cNvPr>
+            <p:cNvPicPr>
+              <a:picLocks noChangeAspect="1"/>
+            </p:cNvPicPr>
+            <p:nvPr/>
+          </p:nvPicPr>
+          <p:blipFill>
+            <a:blip r:embed="rId2">
+              <a:extLst>
+                <a:ext uri="{28A0092B-C50C-407E-A947-70E740481C1C}">
+                  <a14:useLocalDpi xmlns:a14="http://schemas.microsoft.com/office/drawing/2010/main" val="0"/>
+                </a:ext>
+              </a:extLst>
+            </a:blip>
+            <a:stretch>
+              <a:fillRect/>
+            </a:stretch>
+          </p:blipFill>
+          <p:spPr>
+            <a:xfrm>
+              <a:off x="3362325" y="371475"/>
+              <a:ext cx="5467350" cy="6115050"/>
+            </a:xfrm>
+            <a:prstGeom prst="rect">
+              <a:avLst/>
+            </a:prstGeom>
+          </p:spPr>
+        </p:pic>
+        <p:sp>
+          <p:nvSpPr>
+            <p:cNvPr id="6" name="Callout: linea piegata con bordo e barra in risalto 5">
+              <a:extLst>
+                <a:ext uri="{FF2B5EF4-FFF2-40B4-BE49-F238E27FC236}">
+                  <a16:creationId xmlns:a16="http://schemas.microsoft.com/office/drawing/2014/main" id="{4DEAFE44-A310-4B50-96DF-1C796E43C1EE}"/>
+                </a:ext>
+              </a:extLst>
+            </p:cNvPr>
+            <p:cNvSpPr/>
+            <p:nvPr/>
+          </p:nvSpPr>
+          <p:spPr>
+            <a:xfrm>
+              <a:off x="7122459" y="918322"/>
+              <a:ext cx="1181100" cy="210391"/>
+            </a:xfrm>
+            <a:prstGeom prst="accentBorderCallout2">
+              <a:avLst>
+                <a:gd name="adj1" fmla="val 18750"/>
+                <a:gd name="adj2" fmla="val -8333"/>
+                <a:gd name="adj3" fmla="val 18750"/>
+                <a:gd name="adj4" fmla="val -16667"/>
+                <a:gd name="adj5" fmla="val 284300"/>
+                <a:gd name="adj6" fmla="val -53498"/>
+              </a:avLst>
+            </a:prstGeom>
+            <a:ln w="19050">
+              <a:solidFill>
+                <a:schemeClr val="accent4"/>
+              </a:solidFill>
+            </a:ln>
+          </p:spPr>
+          <p:style>
+            <a:lnRef idx="2">
+              <a:schemeClr val="accent1"/>
+            </a:lnRef>
+            <a:fillRef idx="1">
+              <a:schemeClr val="lt1"/>
+            </a:fillRef>
+            <a:effectRef idx="0">
+              <a:schemeClr val="accent1"/>
+            </a:effectRef>
+            <a:fontRef idx="minor">
+              <a:schemeClr val="dk1"/>
+            </a:fontRef>
+          </p:style>
+          <p:txBody>
+            <a:bodyPr rtlCol="0" anchor="ctr"/>
+            <a:lstStyle/>
+            <a:p>
+              <a:pPr algn="ctr"/>
+              <a:r>
+                <a:rPr lang="it-IT" sz="1600" dirty="0" err="1">
+                  <a:solidFill>
+                    <a:schemeClr val="accent1">
+                      <a:lumMod val="75000"/>
+                    </a:schemeClr>
+                  </a:solidFill>
+                </a:rPr>
+                <a:t>Iron</a:t>
+              </a:r>
+              <a:r>
+                <a:rPr lang="it-IT" sz="1600" dirty="0">
+                  <a:solidFill>
+                    <a:schemeClr val="accent1">
+                      <a:lumMod val="75000"/>
+                    </a:schemeClr>
+                  </a:solidFill>
+                </a:rPr>
+                <a:t> </a:t>
+              </a:r>
+              <a:r>
+                <a:rPr lang="it-IT" sz="1600" dirty="0" err="1">
+                  <a:solidFill>
+                    <a:schemeClr val="accent1">
+                      <a:lumMod val="75000"/>
+                    </a:schemeClr>
+                  </a:solidFill>
+                </a:rPr>
+                <a:t>Yoke</a:t>
+              </a:r>
+              <a:endParaRPr lang="it-IT" sz="1600" dirty="0">
+                <a:solidFill>
+                  <a:schemeClr val="accent1">
+                    <a:lumMod val="75000"/>
+                  </a:schemeClr>
+                </a:solidFill>
+              </a:endParaRPr>
+            </a:p>
+          </p:txBody>
+        </p:sp>
+        <p:sp>
+          <p:nvSpPr>
+            <p:cNvPr id="7" name="Callout: linea piegata con bordo e barra in risalto 6">
+              <a:extLst>
+                <a:ext uri="{FF2B5EF4-FFF2-40B4-BE49-F238E27FC236}">
+                  <a16:creationId xmlns:a16="http://schemas.microsoft.com/office/drawing/2014/main" id="{20C9537C-F19C-463C-AA2C-47C8F334EA3F}"/>
+                </a:ext>
+              </a:extLst>
+            </p:cNvPr>
+            <p:cNvSpPr/>
+            <p:nvPr/>
+          </p:nvSpPr>
+          <p:spPr>
+            <a:xfrm>
+              <a:off x="8398809" y="2004172"/>
+              <a:ext cx="2326342" cy="224678"/>
+            </a:xfrm>
+            <a:prstGeom prst="accentBorderCallout2">
+              <a:avLst>
+                <a:gd name="adj1" fmla="val 18750"/>
+                <a:gd name="adj2" fmla="val -8333"/>
+                <a:gd name="adj3" fmla="val 18750"/>
+                <a:gd name="adj4" fmla="val -16667"/>
+                <a:gd name="adj5" fmla="val 270718"/>
+                <a:gd name="adj6" fmla="val -36188"/>
+              </a:avLst>
+            </a:prstGeom>
+            <a:ln w="19050">
+              <a:solidFill>
+                <a:schemeClr val="accent4"/>
+              </a:solidFill>
+            </a:ln>
+          </p:spPr>
+          <p:style>
+            <a:lnRef idx="2">
+              <a:schemeClr val="accent1"/>
+            </a:lnRef>
+            <a:fillRef idx="1">
+              <a:schemeClr val="lt1"/>
+            </a:fillRef>
+            <a:effectRef idx="0">
+              <a:schemeClr val="accent1"/>
+            </a:effectRef>
+            <a:fontRef idx="minor">
+              <a:schemeClr val="dk1"/>
+            </a:fontRef>
+          </p:style>
+          <p:txBody>
+            <a:bodyPr rtlCol="0" anchor="ctr"/>
+            <a:lstStyle/>
+            <a:p>
+              <a:pPr algn="ctr"/>
+              <a:r>
+                <a:rPr lang="it-IT" sz="1600" dirty="0">
+                  <a:solidFill>
+                    <a:schemeClr val="accent1">
+                      <a:lumMod val="75000"/>
+                    </a:schemeClr>
+                  </a:solidFill>
+                </a:rPr>
+                <a:t>Super-</a:t>
+              </a:r>
+              <a:r>
+                <a:rPr lang="it-IT" sz="1600" dirty="0" err="1">
+                  <a:solidFill>
+                    <a:schemeClr val="accent1">
+                      <a:lumMod val="75000"/>
+                    </a:schemeClr>
+                  </a:solidFill>
+                </a:rPr>
+                <a:t>conducting</a:t>
+              </a:r>
+              <a:r>
+                <a:rPr lang="it-IT" sz="1600" dirty="0">
+                  <a:solidFill>
+                    <a:schemeClr val="accent1">
+                      <a:lumMod val="75000"/>
+                    </a:schemeClr>
+                  </a:solidFill>
+                </a:rPr>
+                <a:t> </a:t>
+              </a:r>
+              <a:r>
+                <a:rPr lang="it-IT" sz="1600" dirty="0" err="1">
+                  <a:solidFill>
+                    <a:schemeClr val="accent1">
+                      <a:lumMod val="75000"/>
+                    </a:schemeClr>
+                  </a:solidFill>
+                </a:rPr>
+                <a:t>magnet</a:t>
+              </a:r>
+              <a:endParaRPr lang="it-IT" sz="1600" dirty="0">
+                <a:solidFill>
+                  <a:schemeClr val="accent1">
+                    <a:lumMod val="75000"/>
+                  </a:schemeClr>
+                </a:solidFill>
+              </a:endParaRPr>
+            </a:p>
+          </p:txBody>
+        </p:sp>
+        <p:sp>
+          <p:nvSpPr>
+            <p:cNvPr id="8" name="Callout: linea piegata con bordo e barra in risalto 7">
+              <a:extLst>
+                <a:ext uri="{FF2B5EF4-FFF2-40B4-BE49-F238E27FC236}">
+                  <a16:creationId xmlns:a16="http://schemas.microsoft.com/office/drawing/2014/main" id="{6655F8A4-8BA5-4672-B5E4-7DBC59B2919A}"/>
+                </a:ext>
+              </a:extLst>
+            </p:cNvPr>
+            <p:cNvSpPr/>
+            <p:nvPr/>
+          </p:nvSpPr>
+          <p:spPr>
+            <a:xfrm>
+              <a:off x="8303559" y="2832847"/>
+              <a:ext cx="1088091" cy="210391"/>
+            </a:xfrm>
+            <a:prstGeom prst="accentBorderCallout2">
+              <a:avLst>
+                <a:gd name="adj1" fmla="val 18750"/>
+                <a:gd name="adj2" fmla="val -8333"/>
+                <a:gd name="adj3" fmla="val 18750"/>
+                <a:gd name="adj4" fmla="val -16667"/>
+                <a:gd name="adj5" fmla="val 243554"/>
+                <a:gd name="adj6" fmla="val -80833"/>
+              </a:avLst>
+            </a:prstGeom>
+            <a:ln w="19050">
+              <a:solidFill>
+                <a:schemeClr val="accent4"/>
+              </a:solidFill>
+            </a:ln>
+          </p:spPr>
+          <p:style>
+            <a:lnRef idx="2">
+              <a:schemeClr val="accent1"/>
+            </a:lnRef>
+            <a:fillRef idx="1">
+              <a:schemeClr val="lt1"/>
+            </a:fillRef>
+            <a:effectRef idx="0">
+              <a:schemeClr val="accent1"/>
+            </a:effectRef>
+            <a:fontRef idx="minor">
+              <a:schemeClr val="dk1"/>
+            </a:fontRef>
+          </p:style>
+          <p:txBody>
+            <a:bodyPr rtlCol="0" anchor="ctr"/>
+            <a:lstStyle/>
+            <a:p>
+              <a:pPr algn="ctr"/>
+              <a:r>
+                <a:rPr lang="it-IT" sz="1600" dirty="0">
+                  <a:solidFill>
+                    <a:schemeClr val="accent1">
+                      <a:lumMod val="75000"/>
+                    </a:schemeClr>
+                  </a:solidFill>
+                </a:rPr>
+                <a:t>ECAL</a:t>
+              </a:r>
+            </a:p>
+          </p:txBody>
+        </p:sp>
+        <p:sp>
+          <p:nvSpPr>
+            <p:cNvPr id="9" name="Callout: linea piegata con bordo e barra in risalto 8">
+              <a:extLst>
+                <a:ext uri="{FF2B5EF4-FFF2-40B4-BE49-F238E27FC236}">
+                  <a16:creationId xmlns:a16="http://schemas.microsoft.com/office/drawing/2014/main" id="{D2B8872A-1E2E-4A33-A024-8F9358A1F868}"/>
+                </a:ext>
+              </a:extLst>
+            </p:cNvPr>
+            <p:cNvSpPr/>
+            <p:nvPr/>
+          </p:nvSpPr>
+          <p:spPr>
+            <a:xfrm>
+              <a:off x="8303559" y="4166347"/>
+              <a:ext cx="1088091" cy="210391"/>
+            </a:xfrm>
+            <a:prstGeom prst="accentBorderCallout2">
+              <a:avLst>
+                <a:gd name="adj1" fmla="val 18750"/>
+                <a:gd name="adj2" fmla="val -8333"/>
+                <a:gd name="adj3" fmla="val 18750"/>
+                <a:gd name="adj4" fmla="val -16667"/>
+                <a:gd name="adj5" fmla="val -150320"/>
+                <a:gd name="adj6" fmla="val -140359"/>
+              </a:avLst>
+            </a:prstGeom>
+            <a:ln w="19050">
+              <a:solidFill>
+                <a:schemeClr val="accent4"/>
+              </a:solidFill>
+            </a:ln>
+          </p:spPr>
+          <p:style>
+            <a:lnRef idx="2">
+              <a:schemeClr val="accent1"/>
+            </a:lnRef>
+            <a:fillRef idx="1">
+              <a:schemeClr val="lt1"/>
+            </a:fillRef>
+            <a:effectRef idx="0">
+              <a:schemeClr val="accent1"/>
+            </a:effectRef>
+            <a:fontRef idx="minor">
+              <a:schemeClr val="dk1"/>
+            </a:fontRef>
+          </p:style>
+          <p:txBody>
+            <a:bodyPr rtlCol="0" anchor="ctr"/>
+            <a:lstStyle/>
+            <a:p>
+              <a:pPr algn="ctr"/>
+              <a:r>
+                <a:rPr lang="it-IT" sz="1600" dirty="0">
+                  <a:solidFill>
+                    <a:schemeClr val="accent1">
+                      <a:lumMod val="75000"/>
+                    </a:schemeClr>
+                  </a:solidFill>
+                </a:rPr>
+                <a:t>STT</a:t>
+              </a:r>
+            </a:p>
+          </p:txBody>
+        </p:sp>
+        <p:sp>
+          <p:nvSpPr>
+            <p:cNvPr id="10" name="Callout: linea piegata con bordo e barra in risalto 9">
+              <a:extLst>
+                <a:ext uri="{FF2B5EF4-FFF2-40B4-BE49-F238E27FC236}">
+                  <a16:creationId xmlns:a16="http://schemas.microsoft.com/office/drawing/2014/main" id="{88826541-090A-4479-8735-45ABBB90BC34}"/>
+                </a:ext>
+              </a:extLst>
+            </p:cNvPr>
+            <p:cNvSpPr/>
+            <p:nvPr/>
+          </p:nvSpPr>
+          <p:spPr>
+            <a:xfrm>
+              <a:off x="5735471" y="3019426"/>
+              <a:ext cx="1345223" cy="210391"/>
+            </a:xfrm>
+            <a:prstGeom prst="accentBorderCallout2">
+              <a:avLst>
+                <a:gd name="adj1" fmla="val 18750"/>
+                <a:gd name="adj2" fmla="val -8333"/>
+                <a:gd name="adj3" fmla="val 18750"/>
+                <a:gd name="adj4" fmla="val -16667"/>
+                <a:gd name="adj5" fmla="val 190620"/>
+                <a:gd name="adj6" fmla="val -62789"/>
+              </a:avLst>
+            </a:prstGeom>
+            <a:ln w="19050">
+              <a:solidFill>
+                <a:schemeClr val="accent4"/>
+              </a:solidFill>
+            </a:ln>
+          </p:spPr>
+          <p:style>
+            <a:lnRef idx="2">
+              <a:schemeClr val="accent1"/>
+            </a:lnRef>
+            <a:fillRef idx="1">
+              <a:schemeClr val="lt1"/>
+            </a:fillRef>
+            <a:effectRef idx="0">
+              <a:schemeClr val="accent1"/>
+            </a:effectRef>
+            <a:fontRef idx="minor">
+              <a:schemeClr val="dk1"/>
+            </a:fontRef>
+          </p:style>
+          <p:txBody>
+            <a:bodyPr rtlCol="0" anchor="ctr"/>
+            <a:lstStyle/>
+            <a:p>
+              <a:pPr algn="ctr"/>
+              <a:r>
+                <a:rPr lang="it-IT" sz="1600" dirty="0" err="1">
+                  <a:solidFill>
+                    <a:schemeClr val="accent1">
+                      <a:lumMod val="75000"/>
+                    </a:schemeClr>
+                  </a:solidFill>
+                </a:rPr>
+                <a:t>LAr</a:t>
+              </a:r>
+              <a:r>
+                <a:rPr lang="it-IT" sz="1600" dirty="0">
+                  <a:solidFill>
+                    <a:schemeClr val="accent1">
+                      <a:lumMod val="75000"/>
+                    </a:schemeClr>
+                  </a:solidFill>
+                </a:rPr>
+                <a:t> </a:t>
+              </a:r>
+              <a:r>
+                <a:rPr lang="it-IT" sz="1600" dirty="0" err="1">
+                  <a:solidFill>
+                    <a:schemeClr val="accent1">
+                      <a:lumMod val="75000"/>
+                    </a:schemeClr>
+                  </a:solidFill>
+                </a:rPr>
+                <a:t>Meniscus</a:t>
+              </a:r>
+              <a:r>
+                <a:rPr lang="it-IT" sz="1600" dirty="0">
+                  <a:solidFill>
+                    <a:schemeClr val="accent1">
+                      <a:lumMod val="75000"/>
+                    </a:schemeClr>
+                  </a:solidFill>
+                </a:rPr>
+                <a:t> </a:t>
+              </a:r>
+            </a:p>
+          </p:txBody>
+        </p:sp>
+      </p:grpSp>
+    </p:spTree>
+    <p:extLst>
+      <p:ext uri="{BB962C8B-B14F-4D97-AF65-F5344CB8AC3E}">
+        <p14:creationId xmlns:p14="http://schemas.microsoft.com/office/powerpoint/2010/main" val="939258598"/>
       </p:ext>
     </p:extLst>
   </p:cSld>
@@ -5484,130 +6288,158 @@
           <a:chExt cx="0" cy="0"/>
         </a:xfrm>
       </p:grpSpPr>
-      <p:sp>
-        <p:nvSpPr>
-          <p:cNvPr id="2" name="Rettangolo 1">
+      <p:grpSp>
+        <p:nvGrpSpPr>
+          <p:cNvPr id="18" name="Gruppo 17">
             <a:extLst>
               <a:ext uri="{FF2B5EF4-FFF2-40B4-BE49-F238E27FC236}">
-                <a16:creationId xmlns:a16="http://schemas.microsoft.com/office/drawing/2014/main" id="{AFB0505D-34F2-4112-B9F8-EA06E0041560}"/>
+                <a16:creationId xmlns:a16="http://schemas.microsoft.com/office/drawing/2014/main" id="{9CAE7229-2AF7-4FD2-AED1-9CCC23E3A867}"/>
               </a:ext>
             </a:extLst>
           </p:cNvPr>
-          <p:cNvSpPr/>
+          <p:cNvGrpSpPr/>
           <p:nvPr/>
-        </p:nvSpPr>
-        <p:spPr>
+        </p:nvGrpSpPr>
+        <p:grpSpPr>
           <a:xfrm>
-            <a:off x="0" y="0"/>
-            <a:ext cx="7200000" cy="828000"/>
+            <a:off x="0" y="804115"/>
+            <a:ext cx="12192000" cy="5249769"/>
+            <a:chOff x="0" y="804115"/>
+            <a:chExt cx="12192000" cy="5249769"/>
           </a:xfrm>
-          <a:prstGeom prst="rect">
-            <a:avLst/>
-          </a:prstGeom>
-          <a:solidFill>
-            <a:schemeClr val="accent1">
-              <a:lumMod val="20000"/>
-              <a:lumOff val="80000"/>
-            </a:schemeClr>
-          </a:solidFill>
-        </p:spPr>
-        <p:style>
-          <a:lnRef idx="2">
-            <a:schemeClr val="accent1">
-              <a:shade val="50000"/>
-            </a:schemeClr>
-          </a:lnRef>
-          <a:fillRef idx="1">
-            <a:schemeClr val="accent1"/>
-          </a:fillRef>
-          <a:effectRef idx="0">
-            <a:schemeClr val="accent1"/>
-          </a:effectRef>
-          <a:fontRef idx="minor">
-            <a:schemeClr val="lt1"/>
-          </a:fontRef>
-        </p:style>
-        <p:txBody>
-          <a:bodyPr rtlCol="0" anchor="ctr"/>
-          <a:lstStyle/>
-          <a:p>
-            <a:pPr algn="ctr"/>
-            <a:endParaRPr lang="it-IT"/>
-          </a:p>
-        </p:txBody>
-      </p:sp>
-      <p:cxnSp>
-        <p:nvCxnSpPr>
-          <p:cNvPr id="4" name="Connettore diritto 3">
-            <a:extLst>
-              <a:ext uri="{FF2B5EF4-FFF2-40B4-BE49-F238E27FC236}">
-                <a16:creationId xmlns:a16="http://schemas.microsoft.com/office/drawing/2014/main" id="{4B7EACEC-599E-4350-8E1E-B83D76099CCF}"/>
-              </a:ext>
-            </a:extLst>
-          </p:cNvPr>
-          <p:cNvCxnSpPr/>
-          <p:nvPr/>
-        </p:nvCxnSpPr>
-        <p:spPr>
-          <a:xfrm>
-            <a:off x="158400" y="-1"/>
-            <a:ext cx="0" cy="828000"/>
-          </a:xfrm>
-          <a:prstGeom prst="line">
-            <a:avLst/>
-          </a:prstGeom>
-        </p:spPr>
-        <p:style>
-          <a:lnRef idx="1">
-            <a:schemeClr val="accent1"/>
-          </a:lnRef>
-          <a:fillRef idx="0">
-            <a:schemeClr val="accent1"/>
-          </a:fillRef>
-          <a:effectRef idx="0">
-            <a:schemeClr val="accent1"/>
-          </a:effectRef>
-          <a:fontRef idx="minor">
-            <a:schemeClr val="tx1"/>
-          </a:fontRef>
-        </p:style>
-      </p:cxnSp>
-      <p:cxnSp>
-        <p:nvCxnSpPr>
-          <p:cNvPr id="5" name="Connettore diritto 4">
-            <a:extLst>
-              <a:ext uri="{FF2B5EF4-FFF2-40B4-BE49-F238E27FC236}">
-                <a16:creationId xmlns:a16="http://schemas.microsoft.com/office/drawing/2014/main" id="{0DE08AF8-A5C3-4647-A92C-9468F0D5BED4}"/>
-              </a:ext>
-            </a:extLst>
-          </p:cNvPr>
-          <p:cNvCxnSpPr/>
-          <p:nvPr/>
-        </p:nvCxnSpPr>
-        <p:spPr>
-          <a:xfrm>
-            <a:off x="316800" y="-1"/>
-            <a:ext cx="0" cy="828000"/>
-          </a:xfrm>
-          <a:prstGeom prst="line">
-            <a:avLst/>
-          </a:prstGeom>
-        </p:spPr>
-        <p:style>
-          <a:lnRef idx="1">
-            <a:schemeClr val="accent1"/>
-          </a:lnRef>
-          <a:fillRef idx="0">
-            <a:schemeClr val="accent1"/>
-          </a:fillRef>
-          <a:effectRef idx="0">
-            <a:schemeClr val="accent1"/>
-          </a:effectRef>
-          <a:fontRef idx="minor">
-            <a:schemeClr val="tx1"/>
-          </a:fontRef>
-        </p:style>
-      </p:cxnSp>
+        </p:grpSpPr>
+        <p:pic>
+          <p:nvPicPr>
+            <p:cNvPr id="11" name="Immagine 10">
+              <a:extLst>
+                <a:ext uri="{FF2B5EF4-FFF2-40B4-BE49-F238E27FC236}">
+                  <a16:creationId xmlns:a16="http://schemas.microsoft.com/office/drawing/2014/main" id="{1E0B17DA-C668-4709-8388-A72BBDA10F97}"/>
+                </a:ext>
+              </a:extLst>
+            </p:cNvPr>
+            <p:cNvPicPr>
+              <a:picLocks noChangeAspect="1"/>
+            </p:cNvPicPr>
+            <p:nvPr/>
+          </p:nvPicPr>
+          <p:blipFill>
+            <a:blip r:embed="rId2">
+              <a:extLst>
+                <a:ext uri="{28A0092B-C50C-407E-A947-70E740481C1C}">
+                  <a14:useLocalDpi xmlns:a14="http://schemas.microsoft.com/office/drawing/2010/main" val="0"/>
+                </a:ext>
+              </a:extLst>
+            </a:blip>
+            <a:stretch>
+              <a:fillRect/>
+            </a:stretch>
+          </p:blipFill>
+          <p:spPr>
+            <a:xfrm>
+              <a:off x="0" y="804115"/>
+              <a:ext cx="12192000" cy="5249769"/>
+            </a:xfrm>
+            <a:prstGeom prst="rect">
+              <a:avLst/>
+            </a:prstGeom>
+          </p:spPr>
+        </p:pic>
+        <p:sp>
+          <p:nvSpPr>
+            <p:cNvPr id="12" name="Rettangolo con angoli arrotondati 11">
+              <a:extLst>
+                <a:ext uri="{FF2B5EF4-FFF2-40B4-BE49-F238E27FC236}">
+                  <a16:creationId xmlns:a16="http://schemas.microsoft.com/office/drawing/2014/main" id="{E309D84E-41A3-4AA7-A8B0-0F7A72EACBF6}"/>
+                </a:ext>
+              </a:extLst>
+            </p:cNvPr>
+            <p:cNvSpPr/>
+            <p:nvPr/>
+          </p:nvSpPr>
+          <p:spPr>
+            <a:xfrm>
+              <a:off x="6096000" y="3698302"/>
+              <a:ext cx="1711570" cy="243427"/>
+            </a:xfrm>
+            <a:prstGeom prst="roundRect">
+              <a:avLst/>
+            </a:prstGeom>
+            <a:ln/>
+          </p:spPr>
+          <p:style>
+            <a:lnRef idx="2">
+              <a:schemeClr val="accent5"/>
+            </a:lnRef>
+            <a:fillRef idx="1">
+              <a:schemeClr val="lt1"/>
+            </a:fillRef>
+            <a:effectRef idx="0">
+              <a:schemeClr val="accent5"/>
+            </a:effectRef>
+            <a:fontRef idx="minor">
+              <a:schemeClr val="dk1"/>
+            </a:fontRef>
+          </p:style>
+          <p:txBody>
+            <a:bodyPr rtlCol="0" anchor="ctr"/>
+            <a:lstStyle/>
+            <a:p>
+              <a:pPr algn="ctr"/>
+              <a:r>
+                <a:rPr lang="it-IT" sz="1100" dirty="0"/>
+                <a:t>(0.854; -0.384; 23.912) m</a:t>
+              </a:r>
+            </a:p>
+          </p:txBody>
+        </p:sp>
+        <p:sp>
+          <p:nvSpPr>
+            <p:cNvPr id="13" name="CasellaDiTesto 12">
+              <a:extLst>
+                <a:ext uri="{FF2B5EF4-FFF2-40B4-BE49-F238E27FC236}">
+                  <a16:creationId xmlns:a16="http://schemas.microsoft.com/office/drawing/2014/main" id="{819C43D6-F9F7-4745-8688-32A6C1035B1D}"/>
+                </a:ext>
+              </a:extLst>
+            </p:cNvPr>
+            <p:cNvSpPr txBox="1"/>
+            <p:nvPr/>
+          </p:nvSpPr>
+          <p:spPr>
+            <a:xfrm>
+              <a:off x="6333392" y="3941729"/>
+              <a:ext cx="1236785" cy="246221"/>
+            </a:xfrm>
+            <a:prstGeom prst="rect">
+              <a:avLst/>
+            </a:prstGeom>
+            <a:noFill/>
+          </p:spPr>
+          <p:txBody>
+            <a:bodyPr wrap="square" rtlCol="0">
+              <a:spAutoFit/>
+            </a:bodyPr>
+            <a:lstStyle/>
+            <a:p>
+              <a:r>
+                <a:rPr lang="it-IT" sz="1000" dirty="0" err="1">
+                  <a:solidFill>
+                    <a:schemeClr val="accent5"/>
+                  </a:solidFill>
+                </a:rPr>
+                <a:t>Particle</a:t>
+              </a:r>
+              <a:r>
+                <a:rPr lang="it-IT" sz="1000" dirty="0">
+                  <a:solidFill>
+                    <a:schemeClr val="accent5"/>
+                  </a:solidFill>
+                </a:rPr>
+                <a:t> Gun Centre</a:t>
+              </a:r>
+            </a:p>
+          </p:txBody>
+        </p:sp>
+      </p:grpSp>
     </p:spTree>
     <p:extLst>
       <p:ext uri="{BB962C8B-B14F-4D97-AF65-F5344CB8AC3E}">
@@ -5622,6 +6454,631 @@
 </file>
 
 <file path=ppt/slides/slide4.xml><?xml version="1.0" encoding="utf-8"?>
+<p:sld xmlns:a="http://schemas.openxmlformats.org/drawingml/2006/main" xmlns:r="http://schemas.openxmlformats.org/officeDocument/2006/relationships" xmlns:p="http://schemas.openxmlformats.org/presentationml/2006/main">
+  <p:cSld>
+    <p:spTree>
+      <p:nvGrpSpPr>
+        <p:cNvPr id="1" name=""/>
+        <p:cNvGrpSpPr/>
+        <p:nvPr/>
+      </p:nvGrpSpPr>
+      <p:grpSpPr>
+        <a:xfrm>
+          <a:off x="0" y="0"/>
+          <a:ext cx="0" cy="0"/>
+          <a:chOff x="0" y="0"/>
+          <a:chExt cx="0" cy="0"/>
+        </a:xfrm>
+      </p:grpSpPr>
+      <p:grpSp>
+        <p:nvGrpSpPr>
+          <p:cNvPr id="5" name="Gruppo 4">
+            <a:extLst>
+              <a:ext uri="{FF2B5EF4-FFF2-40B4-BE49-F238E27FC236}">
+                <a16:creationId xmlns:a16="http://schemas.microsoft.com/office/drawing/2014/main" id="{A769E8BA-6DB0-4334-86AB-4B21DA2E6818}"/>
+              </a:ext>
+            </a:extLst>
+          </p:cNvPr>
+          <p:cNvGrpSpPr/>
+          <p:nvPr/>
+        </p:nvGrpSpPr>
+        <p:grpSpPr>
+          <a:xfrm>
+            <a:off x="323850" y="1247775"/>
+            <a:ext cx="11544300" cy="4010025"/>
+            <a:chOff x="323850" y="1247775"/>
+            <a:chExt cx="11544300" cy="4010025"/>
+          </a:xfrm>
+        </p:grpSpPr>
+        <p:pic>
+          <p:nvPicPr>
+            <p:cNvPr id="2" name="Immagine 1">
+              <a:extLst>
+                <a:ext uri="{FF2B5EF4-FFF2-40B4-BE49-F238E27FC236}">
+                  <a16:creationId xmlns:a16="http://schemas.microsoft.com/office/drawing/2014/main" id="{596B2542-CC50-4E44-9BA1-28F8781961AE}"/>
+                </a:ext>
+              </a:extLst>
+            </p:cNvPr>
+            <p:cNvPicPr>
+              <a:picLocks noChangeAspect="1"/>
+            </p:cNvPicPr>
+            <p:nvPr/>
+          </p:nvPicPr>
+          <p:blipFill rotWithShape="1">
+            <a:blip r:embed="rId2"/>
+            <a:srcRect l="4688" t="12501" r="624" b="29028"/>
+            <a:stretch/>
+          </p:blipFill>
+          <p:spPr>
+            <a:xfrm>
+              <a:off x="323850" y="1247775"/>
+              <a:ext cx="11544300" cy="4010025"/>
+            </a:xfrm>
+            <a:prstGeom prst="rect">
+              <a:avLst/>
+            </a:prstGeom>
+          </p:spPr>
+        </p:pic>
+        <p:sp>
+          <p:nvSpPr>
+            <p:cNvPr id="3" name="Rettangolo con angoli arrotondati 2">
+              <a:extLst>
+                <a:ext uri="{FF2B5EF4-FFF2-40B4-BE49-F238E27FC236}">
+                  <a16:creationId xmlns:a16="http://schemas.microsoft.com/office/drawing/2014/main" id="{DB3723BC-95B8-48BF-8A97-27B31DE291B9}"/>
+                </a:ext>
+              </a:extLst>
+            </p:cNvPr>
+            <p:cNvSpPr/>
+            <p:nvPr/>
+          </p:nvSpPr>
+          <p:spPr>
+            <a:xfrm>
+              <a:off x="4848225" y="3793552"/>
+              <a:ext cx="2362200" cy="311723"/>
+            </a:xfrm>
+            <a:prstGeom prst="roundRect">
+              <a:avLst/>
+            </a:prstGeom>
+            <a:ln/>
+          </p:spPr>
+          <p:style>
+            <a:lnRef idx="2">
+              <a:schemeClr val="accent5"/>
+            </a:lnRef>
+            <a:fillRef idx="1">
+              <a:schemeClr val="lt1"/>
+            </a:fillRef>
+            <a:effectRef idx="0">
+              <a:schemeClr val="accent5"/>
+            </a:effectRef>
+            <a:fontRef idx="minor">
+              <a:schemeClr val="dk1"/>
+            </a:fontRef>
+          </p:style>
+          <p:txBody>
+            <a:bodyPr rtlCol="0" anchor="ctr"/>
+            <a:lstStyle/>
+            <a:p>
+              <a:pPr algn="ctr"/>
+              <a:r>
+                <a:rPr lang="it-IT" sz="1600" dirty="0"/>
+                <a:t>(0.854; -0.384; 23.912) m</a:t>
+              </a:r>
+            </a:p>
+          </p:txBody>
+        </p:sp>
+        <p:sp>
+          <p:nvSpPr>
+            <p:cNvPr id="4" name="CasellaDiTesto 3">
+              <a:extLst>
+                <a:ext uri="{FF2B5EF4-FFF2-40B4-BE49-F238E27FC236}">
+                  <a16:creationId xmlns:a16="http://schemas.microsoft.com/office/drawing/2014/main" id="{254F4FBE-1A9E-413D-8D10-12FD10742BA7}"/>
+                </a:ext>
+              </a:extLst>
+            </p:cNvPr>
+            <p:cNvSpPr txBox="1"/>
+            <p:nvPr/>
+          </p:nvSpPr>
+          <p:spPr>
+            <a:xfrm>
+              <a:off x="5128846" y="4105275"/>
+              <a:ext cx="1800958" cy="338554"/>
+            </a:xfrm>
+            <a:prstGeom prst="rect">
+              <a:avLst/>
+            </a:prstGeom>
+            <a:noFill/>
+          </p:spPr>
+          <p:txBody>
+            <a:bodyPr wrap="square" rtlCol="0">
+              <a:spAutoFit/>
+            </a:bodyPr>
+            <a:lstStyle/>
+            <a:p>
+              <a:r>
+                <a:rPr lang="it-IT" sz="1600" dirty="0" err="1">
+                  <a:solidFill>
+                    <a:schemeClr val="accent5"/>
+                  </a:solidFill>
+                </a:rPr>
+                <a:t>Particle</a:t>
+              </a:r>
+              <a:r>
+                <a:rPr lang="it-IT" sz="1600" dirty="0">
+                  <a:solidFill>
+                    <a:schemeClr val="accent5"/>
+                  </a:solidFill>
+                </a:rPr>
+                <a:t> Gun Centre</a:t>
+              </a:r>
+            </a:p>
+          </p:txBody>
+        </p:sp>
+      </p:grpSp>
+    </p:spTree>
+    <p:extLst>
+      <p:ext uri="{BB962C8B-B14F-4D97-AF65-F5344CB8AC3E}">
+        <p14:creationId xmlns:p14="http://schemas.microsoft.com/office/powerpoint/2010/main" val="1151646233"/>
+      </p:ext>
+    </p:extLst>
+  </p:cSld>
+  <p:clrMapOvr>
+    <a:masterClrMapping/>
+  </p:clrMapOvr>
+</p:sld>
+</file>
+
+<file path=ppt/slides/slide5.xml><?xml version="1.0" encoding="utf-8"?>
+<p:sld xmlns:a="http://schemas.openxmlformats.org/drawingml/2006/main" xmlns:r="http://schemas.openxmlformats.org/officeDocument/2006/relationships" xmlns:p="http://schemas.openxmlformats.org/presentationml/2006/main">
+  <p:cSld>
+    <p:spTree>
+      <p:nvGrpSpPr>
+        <p:cNvPr id="1" name=""/>
+        <p:cNvGrpSpPr/>
+        <p:nvPr/>
+      </p:nvGrpSpPr>
+      <p:grpSpPr>
+        <a:xfrm>
+          <a:off x="0" y="0"/>
+          <a:ext cx="0" cy="0"/>
+          <a:chOff x="0" y="0"/>
+          <a:chExt cx="0" cy="0"/>
+        </a:xfrm>
+      </p:grpSpPr>
+      <p:grpSp>
+        <p:nvGrpSpPr>
+          <p:cNvPr id="15" name="Gruppo 14">
+            <a:extLst>
+              <a:ext uri="{FF2B5EF4-FFF2-40B4-BE49-F238E27FC236}">
+                <a16:creationId xmlns:a16="http://schemas.microsoft.com/office/drawing/2014/main" id="{7AB17866-58A6-46CD-9EFD-D18F6EEFFE12}"/>
+              </a:ext>
+            </a:extLst>
+          </p:cNvPr>
+          <p:cNvGrpSpPr/>
+          <p:nvPr/>
+        </p:nvGrpSpPr>
+        <p:grpSpPr>
+          <a:xfrm>
+            <a:off x="1525330" y="0"/>
+            <a:ext cx="9141339" cy="6858000"/>
+            <a:chOff x="1525330" y="0"/>
+            <a:chExt cx="9141339" cy="6858000"/>
+          </a:xfrm>
+        </p:grpSpPr>
+        <p:pic>
+          <p:nvPicPr>
+            <p:cNvPr id="3" name="Immagine 2">
+              <a:extLst>
+                <a:ext uri="{FF2B5EF4-FFF2-40B4-BE49-F238E27FC236}">
+                  <a16:creationId xmlns:a16="http://schemas.microsoft.com/office/drawing/2014/main" id="{6E156A5C-857B-4C31-AA97-D5213A65EE7B}"/>
+                </a:ext>
+              </a:extLst>
+            </p:cNvPr>
+            <p:cNvPicPr>
+              <a:picLocks noChangeAspect="1"/>
+            </p:cNvPicPr>
+            <p:nvPr/>
+          </p:nvPicPr>
+          <p:blipFill>
+            <a:blip r:embed="rId2">
+              <a:extLst>
+                <a:ext uri="{28A0092B-C50C-407E-A947-70E740481C1C}">
+                  <a14:useLocalDpi xmlns:a14="http://schemas.microsoft.com/office/drawing/2010/main" val="0"/>
+                </a:ext>
+              </a:extLst>
+            </a:blip>
+            <a:stretch>
+              <a:fillRect/>
+            </a:stretch>
+          </p:blipFill>
+          <p:spPr>
+            <a:xfrm>
+              <a:off x="1525330" y="0"/>
+              <a:ext cx="9141339" cy="6858000"/>
+            </a:xfrm>
+            <a:prstGeom prst="rect">
+              <a:avLst/>
+            </a:prstGeom>
+          </p:spPr>
+        </p:pic>
+        <p:cxnSp>
+          <p:nvCxnSpPr>
+            <p:cNvPr id="4" name="Connettore 2 3">
+              <a:extLst>
+                <a:ext uri="{FF2B5EF4-FFF2-40B4-BE49-F238E27FC236}">
+                  <a16:creationId xmlns:a16="http://schemas.microsoft.com/office/drawing/2014/main" id="{71C66914-FAB6-40C9-A051-B5C831D9D340}"/>
+                </a:ext>
+              </a:extLst>
+            </p:cNvPr>
+            <p:cNvCxnSpPr>
+              <a:cxnSpLocks/>
+            </p:cNvCxnSpPr>
+            <p:nvPr/>
+          </p:nvCxnSpPr>
+          <p:spPr>
+            <a:xfrm>
+              <a:off x="3050931" y="534868"/>
+              <a:ext cx="5961184" cy="0"/>
+            </a:xfrm>
+            <a:prstGeom prst="straightConnector1">
+              <a:avLst/>
+            </a:prstGeom>
+            <a:ln w="9525">
+              <a:headEnd type="triangle"/>
+              <a:tailEnd type="triangle"/>
+            </a:ln>
+          </p:spPr>
+          <p:style>
+            <a:lnRef idx="1">
+              <a:schemeClr val="accent1"/>
+            </a:lnRef>
+            <a:fillRef idx="0">
+              <a:schemeClr val="accent1"/>
+            </a:fillRef>
+            <a:effectRef idx="0">
+              <a:schemeClr val="accent1"/>
+            </a:effectRef>
+            <a:fontRef idx="minor">
+              <a:schemeClr val="tx1"/>
+            </a:fontRef>
+          </p:style>
+        </p:cxnSp>
+        <p:sp>
+          <p:nvSpPr>
+            <p:cNvPr id="7" name="Rettangolo con angoli arrotondati 6">
+              <a:extLst>
+                <a:ext uri="{FF2B5EF4-FFF2-40B4-BE49-F238E27FC236}">
+                  <a16:creationId xmlns:a16="http://schemas.microsoft.com/office/drawing/2014/main" id="{DB96AE58-BBEB-43FE-BDF0-A34EF7079EF8}"/>
+                </a:ext>
+              </a:extLst>
+            </p:cNvPr>
+            <p:cNvSpPr/>
+            <p:nvPr/>
+          </p:nvSpPr>
+          <p:spPr>
+            <a:xfrm>
+              <a:off x="5594838" y="413058"/>
+              <a:ext cx="1002323" cy="255055"/>
+            </a:xfrm>
+            <a:prstGeom prst="roundRect">
+              <a:avLst/>
+            </a:prstGeom>
+            <a:ln/>
+          </p:spPr>
+          <p:style>
+            <a:lnRef idx="2">
+              <a:schemeClr val="accent5">
+                <a:shade val="50000"/>
+              </a:schemeClr>
+            </a:lnRef>
+            <a:fillRef idx="1">
+              <a:schemeClr val="accent5"/>
+            </a:fillRef>
+            <a:effectRef idx="0">
+              <a:schemeClr val="accent5"/>
+            </a:effectRef>
+            <a:fontRef idx="minor">
+              <a:schemeClr val="lt1"/>
+            </a:fontRef>
+          </p:style>
+          <p:txBody>
+            <a:bodyPr rtlCol="0" anchor="ctr"/>
+            <a:lstStyle/>
+            <a:p>
+              <a:pPr algn="ctr"/>
+              <a:r>
+                <a:rPr lang="it-IT" sz="2000" dirty="0"/>
+                <a:t>430 cm</a:t>
+              </a:r>
+            </a:p>
+          </p:txBody>
+        </p:sp>
+        <p:cxnSp>
+          <p:nvCxnSpPr>
+            <p:cNvPr id="8" name="Connettore 2 7">
+              <a:extLst>
+                <a:ext uri="{FF2B5EF4-FFF2-40B4-BE49-F238E27FC236}">
+                  <a16:creationId xmlns:a16="http://schemas.microsoft.com/office/drawing/2014/main" id="{519C18A9-F57E-4655-BEDA-90E38B36E9F0}"/>
+                </a:ext>
+              </a:extLst>
+            </p:cNvPr>
+            <p:cNvCxnSpPr>
+              <a:cxnSpLocks/>
+            </p:cNvCxnSpPr>
+            <p:nvPr/>
+          </p:nvCxnSpPr>
+          <p:spPr>
+            <a:xfrm>
+              <a:off x="9514011" y="949569"/>
+              <a:ext cx="0" cy="5108331"/>
+            </a:xfrm>
+            <a:prstGeom prst="straightConnector1">
+              <a:avLst/>
+            </a:prstGeom>
+            <a:ln w="9525">
+              <a:headEnd type="triangle"/>
+              <a:tailEnd type="triangle"/>
+            </a:ln>
+          </p:spPr>
+          <p:style>
+            <a:lnRef idx="1">
+              <a:schemeClr val="accent1"/>
+            </a:lnRef>
+            <a:fillRef idx="0">
+              <a:schemeClr val="accent1"/>
+            </a:fillRef>
+            <a:effectRef idx="0">
+              <a:schemeClr val="accent1"/>
+            </a:effectRef>
+            <a:fontRef idx="minor">
+              <a:schemeClr val="tx1"/>
+            </a:fontRef>
+          </p:style>
+        </p:cxnSp>
+        <p:sp>
+          <p:nvSpPr>
+            <p:cNvPr id="14" name="Rettangolo con angoli arrotondati 13">
+              <a:extLst>
+                <a:ext uri="{FF2B5EF4-FFF2-40B4-BE49-F238E27FC236}">
+                  <a16:creationId xmlns:a16="http://schemas.microsoft.com/office/drawing/2014/main" id="{27FE335B-F8C3-4C0E-BD87-5A2A21658D58}"/>
+                </a:ext>
+              </a:extLst>
+            </p:cNvPr>
+            <p:cNvSpPr/>
+            <p:nvPr/>
+          </p:nvSpPr>
+          <p:spPr>
+            <a:xfrm rot="5400000">
+              <a:off x="8949104" y="3280923"/>
+              <a:ext cx="1129812" cy="296155"/>
+            </a:xfrm>
+            <a:prstGeom prst="roundRect">
+              <a:avLst/>
+            </a:prstGeom>
+            <a:ln/>
+          </p:spPr>
+          <p:style>
+            <a:lnRef idx="2">
+              <a:schemeClr val="accent5">
+                <a:shade val="50000"/>
+              </a:schemeClr>
+            </a:lnRef>
+            <a:fillRef idx="1">
+              <a:schemeClr val="accent5"/>
+            </a:fillRef>
+            <a:effectRef idx="0">
+              <a:schemeClr val="accent5"/>
+            </a:effectRef>
+            <a:fontRef idx="minor">
+              <a:schemeClr val="lt1"/>
+            </a:fontRef>
+          </p:style>
+          <p:txBody>
+            <a:bodyPr rtlCol="0" anchor="ctr"/>
+            <a:lstStyle/>
+            <a:p>
+              <a:pPr algn="ctr"/>
+              <a:r>
+                <a:rPr lang="it-IT" sz="2000" dirty="0"/>
+                <a:t>185 cm</a:t>
+              </a:r>
+            </a:p>
+          </p:txBody>
+        </p:sp>
+      </p:grpSp>
+    </p:spTree>
+    <p:extLst>
+      <p:ext uri="{BB962C8B-B14F-4D97-AF65-F5344CB8AC3E}">
+        <p14:creationId xmlns:p14="http://schemas.microsoft.com/office/powerpoint/2010/main" val="2752706213"/>
+      </p:ext>
+    </p:extLst>
+  </p:cSld>
+  <p:clrMapOvr>
+    <a:masterClrMapping/>
+  </p:clrMapOvr>
+</p:sld>
+</file>
+
+<file path=ppt/slides/slide6.xml><?xml version="1.0" encoding="utf-8"?>
+<p:sld xmlns:a="http://schemas.openxmlformats.org/drawingml/2006/main" xmlns:r="http://schemas.openxmlformats.org/officeDocument/2006/relationships" xmlns:p="http://schemas.openxmlformats.org/presentationml/2006/main">
+  <p:cSld>
+    <p:spTree>
+      <p:nvGrpSpPr>
+        <p:cNvPr id="1" name=""/>
+        <p:cNvGrpSpPr/>
+        <p:nvPr/>
+      </p:nvGrpSpPr>
+      <p:grpSpPr>
+        <a:xfrm>
+          <a:off x="0" y="0"/>
+          <a:ext cx="0" cy="0"/>
+          <a:chOff x="0" y="0"/>
+          <a:chExt cx="0" cy="0"/>
+        </a:xfrm>
+      </p:grpSpPr>
+      <p:grpSp>
+        <p:nvGrpSpPr>
+          <p:cNvPr id="8" name="Gruppo 7">
+            <a:extLst>
+              <a:ext uri="{FF2B5EF4-FFF2-40B4-BE49-F238E27FC236}">
+                <a16:creationId xmlns:a16="http://schemas.microsoft.com/office/drawing/2014/main" id="{B7BD7F28-8B9D-4C50-B9E0-0F7D0158400E}"/>
+              </a:ext>
+            </a:extLst>
+          </p:cNvPr>
+          <p:cNvGrpSpPr/>
+          <p:nvPr/>
+        </p:nvGrpSpPr>
+        <p:grpSpPr>
+          <a:xfrm>
+            <a:off x="2938462" y="233548"/>
+            <a:ext cx="6315075" cy="6352989"/>
+            <a:chOff x="2938462" y="233548"/>
+            <a:chExt cx="6315075" cy="6352989"/>
+          </a:xfrm>
+        </p:grpSpPr>
+        <p:pic>
+          <p:nvPicPr>
+            <p:cNvPr id="3" name="Immagine 2">
+              <a:extLst>
+                <a:ext uri="{FF2B5EF4-FFF2-40B4-BE49-F238E27FC236}">
+                  <a16:creationId xmlns:a16="http://schemas.microsoft.com/office/drawing/2014/main" id="{9A8BAFC8-5E17-4957-81F3-8B2926ED3041}"/>
+                </a:ext>
+              </a:extLst>
+            </p:cNvPr>
+            <p:cNvPicPr>
+              <a:picLocks noChangeAspect="1"/>
+            </p:cNvPicPr>
+            <p:nvPr/>
+          </p:nvPicPr>
+          <p:blipFill>
+            <a:blip r:embed="rId2">
+              <a:extLst>
+                <a:ext uri="{28A0092B-C50C-407E-A947-70E740481C1C}">
+                  <a14:useLocalDpi xmlns:a14="http://schemas.microsoft.com/office/drawing/2010/main" val="0"/>
+                </a:ext>
+              </a:extLst>
+            </a:blip>
+            <a:stretch>
+              <a:fillRect/>
+            </a:stretch>
+          </p:blipFill>
+          <p:spPr>
+            <a:xfrm>
+              <a:off x="2938462" y="271462"/>
+              <a:ext cx="6315075" cy="6315075"/>
+            </a:xfrm>
+            <a:prstGeom prst="rect">
+              <a:avLst/>
+            </a:prstGeom>
+          </p:spPr>
+        </p:pic>
+        <p:cxnSp>
+          <p:nvCxnSpPr>
+            <p:cNvPr id="4" name="Connettore 2 3">
+              <a:extLst>
+                <a:ext uri="{FF2B5EF4-FFF2-40B4-BE49-F238E27FC236}">
+                  <a16:creationId xmlns:a16="http://schemas.microsoft.com/office/drawing/2014/main" id="{0BC9B944-41EC-48A0-9E5E-6B9656115945}"/>
+                </a:ext>
+              </a:extLst>
+            </p:cNvPr>
+            <p:cNvCxnSpPr>
+              <a:cxnSpLocks/>
+            </p:cNvCxnSpPr>
+            <p:nvPr/>
+          </p:nvCxnSpPr>
+          <p:spPr>
+            <a:xfrm>
+              <a:off x="4930651" y="355356"/>
+              <a:ext cx="2032124" cy="0"/>
+            </a:xfrm>
+            <a:prstGeom prst="straightConnector1">
+              <a:avLst/>
+            </a:prstGeom>
+            <a:ln w="9525">
+              <a:headEnd type="triangle"/>
+              <a:tailEnd type="triangle"/>
+            </a:ln>
+          </p:spPr>
+          <p:style>
+            <a:lnRef idx="1">
+              <a:schemeClr val="accent1"/>
+            </a:lnRef>
+            <a:fillRef idx="0">
+              <a:schemeClr val="accent1"/>
+            </a:fillRef>
+            <a:effectRef idx="0">
+              <a:schemeClr val="accent1"/>
+            </a:effectRef>
+            <a:fontRef idx="minor">
+              <a:schemeClr val="tx1"/>
+            </a:fontRef>
+          </p:style>
+        </p:cxnSp>
+        <p:sp>
+          <p:nvSpPr>
+            <p:cNvPr id="7" name="Rettangolo con angoli arrotondati 6">
+              <a:extLst>
+                <a:ext uri="{FF2B5EF4-FFF2-40B4-BE49-F238E27FC236}">
+                  <a16:creationId xmlns:a16="http://schemas.microsoft.com/office/drawing/2014/main" id="{4B30DA4C-62FD-4828-8769-DCFD42016F82}"/>
+                </a:ext>
+              </a:extLst>
+            </p:cNvPr>
+            <p:cNvSpPr/>
+            <p:nvPr/>
+          </p:nvSpPr>
+          <p:spPr>
+            <a:xfrm>
+              <a:off x="5362756" y="233548"/>
+              <a:ext cx="1161135" cy="232404"/>
+            </a:xfrm>
+            <a:prstGeom prst="roundRect">
+              <a:avLst/>
+            </a:prstGeom>
+            <a:ln/>
+          </p:spPr>
+          <p:style>
+            <a:lnRef idx="2">
+              <a:schemeClr val="accent5">
+                <a:shade val="50000"/>
+              </a:schemeClr>
+            </a:lnRef>
+            <a:fillRef idx="1">
+              <a:schemeClr val="accent5"/>
+            </a:fillRef>
+            <a:effectRef idx="0">
+              <a:schemeClr val="accent5"/>
+            </a:effectRef>
+            <a:fontRef idx="minor">
+              <a:schemeClr val="lt1"/>
+            </a:fontRef>
+          </p:style>
+          <p:txBody>
+            <a:bodyPr rtlCol="0" anchor="ctr"/>
+            <a:lstStyle/>
+            <a:p>
+              <a:pPr algn="ctr"/>
+              <a:r>
+                <a:rPr lang="it-IT" sz="2000" dirty="0"/>
+                <a:t>123.5 cm</a:t>
+              </a:r>
+            </a:p>
+          </p:txBody>
+        </p:sp>
+      </p:grpSp>
+    </p:spTree>
+    <p:extLst>
+      <p:ext uri="{BB962C8B-B14F-4D97-AF65-F5344CB8AC3E}">
+        <p14:creationId xmlns:p14="http://schemas.microsoft.com/office/powerpoint/2010/main" val="2097794073"/>
+      </p:ext>
+    </p:extLst>
+  </p:cSld>
+  <p:clrMapOvr>
+    <a:masterClrMapping/>
+  </p:clrMapOvr>
+</p:sld>
+</file>
+
+<file path=ppt/slides/slide7.xml><?xml version="1.0" encoding="utf-8"?>
 <p:sld xmlns:a="http://schemas.openxmlformats.org/drawingml/2006/main" xmlns:r="http://schemas.openxmlformats.org/officeDocument/2006/relationships" xmlns:p="http://schemas.openxmlformats.org/presentationml/2006/main">
   <p:cSld>
     <p:spTree>
@@ -6123,7 +7580,7 @@
 </p:sld>
 </file>
 
-<file path=ppt/slides/slide5.xml><?xml version="1.0" encoding="utf-8"?>
+<file path=ppt/slides/slide8.xml><?xml version="1.0" encoding="utf-8"?>
 <p:sld xmlns:a="http://schemas.openxmlformats.org/drawingml/2006/main" xmlns:r="http://schemas.openxmlformats.org/officeDocument/2006/relationships" xmlns:p="http://schemas.openxmlformats.org/presentationml/2006/main">
   <p:cSld>
     <p:spTree>
@@ -6688,7 +8145,7 @@
 </p:sld>
 </file>
 
-<file path=ppt/slides/slide6.xml><?xml version="1.0" encoding="utf-8"?>
+<file path=ppt/slides/slide9.xml><?xml version="1.0" encoding="utf-8"?>
 <p:sld xmlns:a="http://schemas.openxmlformats.org/drawingml/2006/main" xmlns:r="http://schemas.openxmlformats.org/officeDocument/2006/relationships" xmlns:p="http://schemas.openxmlformats.org/presentationml/2006/main">
   <p:cSld>
     <p:bg>
@@ -7087,807 +8544,6 @@
 </p:sld>
 </file>
 
-<file path=ppt/slides/slide7.xml><?xml version="1.0" encoding="utf-8"?>
-<p:sld xmlns:a="http://schemas.openxmlformats.org/drawingml/2006/main" xmlns:r="http://schemas.openxmlformats.org/officeDocument/2006/relationships" xmlns:p="http://schemas.openxmlformats.org/presentationml/2006/main">
-  <p:cSld>
-    <p:spTree>
-      <p:nvGrpSpPr>
-        <p:cNvPr id="1" name=""/>
-        <p:cNvGrpSpPr/>
-        <p:nvPr/>
-      </p:nvGrpSpPr>
-      <p:grpSpPr>
-        <a:xfrm>
-          <a:off x="0" y="0"/>
-          <a:ext cx="0" cy="0"/>
-          <a:chOff x="0" y="0"/>
-          <a:chExt cx="0" cy="0"/>
-        </a:xfrm>
-      </p:grpSpPr>
-      <p:grpSp>
-        <p:nvGrpSpPr>
-          <p:cNvPr id="9" name="Gruppo 8">
-            <a:extLst>
-              <a:ext uri="{FF2B5EF4-FFF2-40B4-BE49-F238E27FC236}">
-                <a16:creationId xmlns:a16="http://schemas.microsoft.com/office/drawing/2014/main" id="{C7C1F191-13FE-4A83-86AB-46BF4CF6C617}"/>
-              </a:ext>
-            </a:extLst>
-          </p:cNvPr>
-          <p:cNvGrpSpPr/>
-          <p:nvPr/>
-        </p:nvGrpSpPr>
-        <p:grpSpPr>
-          <a:xfrm>
-            <a:off x="2692118" y="1370011"/>
-            <a:ext cx="7402141" cy="4079877"/>
-            <a:chOff x="2654018" y="1389061"/>
-            <a:chExt cx="7402141" cy="4079877"/>
-          </a:xfrm>
-        </p:grpSpPr>
-        <p:pic>
-          <p:nvPicPr>
-            <p:cNvPr id="3" name="Immagine 2" descr="Immagine che contiene giocattolo, luce, traffico, via&#10;&#10;Descrizione generata automaticamente">
-              <a:extLst>
-                <a:ext uri="{FF2B5EF4-FFF2-40B4-BE49-F238E27FC236}">
-                  <a16:creationId xmlns:a16="http://schemas.microsoft.com/office/drawing/2014/main" id="{B6254460-EF1F-405A-BE2B-9351ED930C97}"/>
-                </a:ext>
-              </a:extLst>
-            </p:cNvPr>
-            <p:cNvPicPr>
-              <a:picLocks noChangeAspect="1"/>
-            </p:cNvPicPr>
-            <p:nvPr/>
-          </p:nvPicPr>
-          <p:blipFill rotWithShape="1">
-            <a:blip r:embed="rId2">
-              <a:extLst>
-                <a:ext uri="{28A0092B-C50C-407E-A947-70E740481C1C}">
-                  <a14:useLocalDpi xmlns:a14="http://schemas.microsoft.com/office/drawing/2010/main" val="0"/>
-                </a:ext>
-              </a:extLst>
-            </a:blip>
-            <a:srcRect t="27724" b="21681"/>
-            <a:stretch/>
-          </p:blipFill>
-          <p:spPr>
-            <a:xfrm>
-              <a:off x="2654018" y="1389061"/>
-              <a:ext cx="7209642" cy="4079877"/>
-            </a:xfrm>
-            <a:prstGeom prst="rect">
-              <a:avLst/>
-            </a:prstGeom>
-          </p:spPr>
-        </p:pic>
-        <p:sp>
-          <p:nvSpPr>
-            <p:cNvPr id="6" name="Callout: linea piegata con bordo e barra in risalto 5">
-              <a:extLst>
-                <a:ext uri="{FF2B5EF4-FFF2-40B4-BE49-F238E27FC236}">
-                  <a16:creationId xmlns:a16="http://schemas.microsoft.com/office/drawing/2014/main" id="{9667458B-D97B-461F-874C-7FBEA3A71DA5}"/>
-                </a:ext>
-              </a:extLst>
-            </p:cNvPr>
-            <p:cNvSpPr/>
-            <p:nvPr/>
-          </p:nvSpPr>
-          <p:spPr>
-            <a:xfrm>
-              <a:off x="7179609" y="5258547"/>
-              <a:ext cx="1181100" cy="210391"/>
-            </a:xfrm>
-            <a:prstGeom prst="accentBorderCallout2">
-              <a:avLst>
-                <a:gd name="adj1" fmla="val 18750"/>
-                <a:gd name="adj2" fmla="val -8333"/>
-                <a:gd name="adj3" fmla="val 18750"/>
-                <a:gd name="adj4" fmla="val -16667"/>
-                <a:gd name="adj5" fmla="val -114101"/>
-                <a:gd name="adj6" fmla="val -44627"/>
-              </a:avLst>
-            </a:prstGeom>
-            <a:ln w="12700">
-              <a:solidFill>
-                <a:schemeClr val="accent1"/>
-              </a:solidFill>
-            </a:ln>
-          </p:spPr>
-          <p:style>
-            <a:lnRef idx="2">
-              <a:schemeClr val="accent1"/>
-            </a:lnRef>
-            <a:fillRef idx="1">
-              <a:schemeClr val="lt1"/>
-            </a:fillRef>
-            <a:effectRef idx="0">
-              <a:schemeClr val="accent1"/>
-            </a:effectRef>
-            <a:fontRef idx="minor">
-              <a:schemeClr val="dk1"/>
-            </a:fontRef>
-          </p:style>
-          <p:txBody>
-            <a:bodyPr rtlCol="0" anchor="ctr"/>
-            <a:lstStyle/>
-            <a:p>
-              <a:pPr algn="ctr"/>
-              <a:r>
-                <a:rPr lang="it-IT" sz="1600" dirty="0">
-                  <a:solidFill>
-                    <a:schemeClr val="accent1">
-                      <a:lumMod val="75000"/>
-                    </a:schemeClr>
-                  </a:solidFill>
-                </a:rPr>
-                <a:t>SAND</a:t>
-              </a:r>
-            </a:p>
-          </p:txBody>
-        </p:sp>
-        <p:sp>
-          <p:nvSpPr>
-            <p:cNvPr id="7" name="Callout: linea piegata con bordo e barra in risalto 6">
-              <a:extLst>
-                <a:ext uri="{FF2B5EF4-FFF2-40B4-BE49-F238E27FC236}">
-                  <a16:creationId xmlns:a16="http://schemas.microsoft.com/office/drawing/2014/main" id="{7B895BC5-F812-46DE-932A-0FC78ADC0AD0}"/>
-                </a:ext>
-              </a:extLst>
-            </p:cNvPr>
-            <p:cNvSpPr/>
-            <p:nvPr/>
-          </p:nvSpPr>
-          <p:spPr>
-            <a:xfrm>
-              <a:off x="8122584" y="4906122"/>
-              <a:ext cx="1181100" cy="210391"/>
-            </a:xfrm>
-            <a:prstGeom prst="accentBorderCallout2">
-              <a:avLst>
-                <a:gd name="adj1" fmla="val 18750"/>
-                <a:gd name="adj2" fmla="val -8333"/>
-                <a:gd name="adj3" fmla="val 18750"/>
-                <a:gd name="adj4" fmla="val -16667"/>
-                <a:gd name="adj5" fmla="val -114101"/>
-                <a:gd name="adj6" fmla="val -44627"/>
-              </a:avLst>
-            </a:prstGeom>
-            <a:ln w="12700">
-              <a:solidFill>
-                <a:schemeClr val="accent1"/>
-              </a:solidFill>
-            </a:ln>
-          </p:spPr>
-          <p:style>
-            <a:lnRef idx="2">
-              <a:schemeClr val="accent1"/>
-            </a:lnRef>
-            <a:fillRef idx="1">
-              <a:schemeClr val="lt1"/>
-            </a:fillRef>
-            <a:effectRef idx="0">
-              <a:schemeClr val="accent1"/>
-            </a:effectRef>
-            <a:fontRef idx="minor">
-              <a:schemeClr val="dk1"/>
-            </a:fontRef>
-          </p:style>
-          <p:txBody>
-            <a:bodyPr rtlCol="0" anchor="ctr"/>
-            <a:lstStyle/>
-            <a:p>
-              <a:pPr algn="ctr"/>
-              <a:r>
-                <a:rPr lang="it-IT" sz="1600" dirty="0" err="1">
-                  <a:solidFill>
-                    <a:schemeClr val="accent1">
-                      <a:lumMod val="75000"/>
-                    </a:schemeClr>
-                  </a:solidFill>
-                </a:rPr>
-                <a:t>HPgTPC</a:t>
-              </a:r>
-              <a:endParaRPr lang="it-IT" sz="1600" dirty="0">
-                <a:solidFill>
-                  <a:schemeClr val="accent1">
-                    <a:lumMod val="75000"/>
-                  </a:schemeClr>
-                </a:solidFill>
-              </a:endParaRPr>
-            </a:p>
-          </p:txBody>
-        </p:sp>
-        <p:sp>
-          <p:nvSpPr>
-            <p:cNvPr id="8" name="Callout: linea piegata con bordo e barra in risalto 7">
-              <a:extLst>
-                <a:ext uri="{FF2B5EF4-FFF2-40B4-BE49-F238E27FC236}">
-                  <a16:creationId xmlns:a16="http://schemas.microsoft.com/office/drawing/2014/main" id="{2883112E-F248-4EEF-88DF-09FCD4E5E32D}"/>
-                </a:ext>
-              </a:extLst>
-            </p:cNvPr>
-            <p:cNvSpPr/>
-            <p:nvPr/>
-          </p:nvSpPr>
-          <p:spPr>
-            <a:xfrm>
-              <a:off x="8875059" y="4553697"/>
-              <a:ext cx="1181100" cy="210391"/>
-            </a:xfrm>
-            <a:prstGeom prst="accentBorderCallout2">
-              <a:avLst>
-                <a:gd name="adj1" fmla="val 18750"/>
-                <a:gd name="adj2" fmla="val -8333"/>
-                <a:gd name="adj3" fmla="val 18750"/>
-                <a:gd name="adj4" fmla="val -16667"/>
-                <a:gd name="adj5" fmla="val -114101"/>
-                <a:gd name="adj6" fmla="val -44627"/>
-              </a:avLst>
-            </a:prstGeom>
-            <a:ln w="12700">
-              <a:solidFill>
-                <a:schemeClr val="accent1"/>
-              </a:solidFill>
-            </a:ln>
-          </p:spPr>
-          <p:style>
-            <a:lnRef idx="2">
-              <a:schemeClr val="accent1"/>
-            </a:lnRef>
-            <a:fillRef idx="1">
-              <a:schemeClr val="lt1"/>
-            </a:fillRef>
-            <a:effectRef idx="0">
-              <a:schemeClr val="accent1"/>
-            </a:effectRef>
-            <a:fontRef idx="minor">
-              <a:schemeClr val="dk1"/>
-            </a:fontRef>
-          </p:style>
-          <p:txBody>
-            <a:bodyPr rtlCol="0" anchor="ctr"/>
-            <a:lstStyle/>
-            <a:p>
-              <a:pPr algn="ctr"/>
-              <a:r>
-                <a:rPr lang="it-IT" sz="1600" dirty="0" err="1">
-                  <a:solidFill>
-                    <a:schemeClr val="accent1">
-                      <a:lumMod val="75000"/>
-                    </a:schemeClr>
-                  </a:solidFill>
-                </a:rPr>
-                <a:t>ArgonCube</a:t>
-              </a:r>
-              <a:endParaRPr lang="it-IT" sz="1600" dirty="0">
-                <a:solidFill>
-                  <a:schemeClr val="accent1">
-                    <a:lumMod val="75000"/>
-                  </a:schemeClr>
-                </a:solidFill>
-              </a:endParaRPr>
-            </a:p>
-          </p:txBody>
-        </p:sp>
-      </p:grpSp>
-    </p:spTree>
-    <p:extLst>
-      <p:ext uri="{BB962C8B-B14F-4D97-AF65-F5344CB8AC3E}">
-        <p14:creationId xmlns:p14="http://schemas.microsoft.com/office/powerpoint/2010/main" val="3902505457"/>
-      </p:ext>
-    </p:extLst>
-  </p:cSld>
-  <p:clrMapOvr>
-    <a:masterClrMapping/>
-  </p:clrMapOvr>
-</p:sld>
-</file>
-
-<file path=ppt/slides/slide8.xml><?xml version="1.0" encoding="utf-8"?>
-<p:sld xmlns:a="http://schemas.openxmlformats.org/drawingml/2006/main" xmlns:r="http://schemas.openxmlformats.org/officeDocument/2006/relationships" xmlns:p="http://schemas.openxmlformats.org/presentationml/2006/main">
-  <p:cSld>
-    <p:spTree>
-      <p:nvGrpSpPr>
-        <p:cNvPr id="1" name=""/>
-        <p:cNvGrpSpPr/>
-        <p:nvPr/>
-      </p:nvGrpSpPr>
-      <p:grpSpPr>
-        <a:xfrm>
-          <a:off x="0" y="0"/>
-          <a:ext cx="0" cy="0"/>
-          <a:chOff x="0" y="0"/>
-          <a:chExt cx="0" cy="0"/>
-        </a:xfrm>
-      </p:grpSpPr>
-      <p:grpSp>
-        <p:nvGrpSpPr>
-          <p:cNvPr id="11" name="Gruppo 10">
-            <a:extLst>
-              <a:ext uri="{FF2B5EF4-FFF2-40B4-BE49-F238E27FC236}">
-                <a16:creationId xmlns:a16="http://schemas.microsoft.com/office/drawing/2014/main" id="{A2B08006-68C6-4DD9-B6BB-E1446ECAE25D}"/>
-              </a:ext>
-            </a:extLst>
-          </p:cNvPr>
-          <p:cNvGrpSpPr/>
-          <p:nvPr/>
-        </p:nvGrpSpPr>
-        <p:grpSpPr>
-          <a:xfrm>
-            <a:off x="3362325" y="371475"/>
-            <a:ext cx="7362826" cy="6115050"/>
-            <a:chOff x="3362325" y="371475"/>
-            <a:chExt cx="7362826" cy="6115050"/>
-          </a:xfrm>
-        </p:grpSpPr>
-        <p:pic>
-          <p:nvPicPr>
-            <p:cNvPr id="5" name="Immagine 4" descr="Immagine che contiene bianco, sedendo, acqua, piatto&#10;&#10;Descrizione generata automaticamente">
-              <a:extLst>
-                <a:ext uri="{FF2B5EF4-FFF2-40B4-BE49-F238E27FC236}">
-                  <a16:creationId xmlns:a16="http://schemas.microsoft.com/office/drawing/2014/main" id="{E3B9F191-0E67-43E2-80F7-EC87BD4BCB74}"/>
-                </a:ext>
-              </a:extLst>
-            </p:cNvPr>
-            <p:cNvPicPr>
-              <a:picLocks noChangeAspect="1"/>
-            </p:cNvPicPr>
-            <p:nvPr/>
-          </p:nvPicPr>
-          <p:blipFill>
-            <a:blip r:embed="rId2">
-              <a:extLst>
-                <a:ext uri="{28A0092B-C50C-407E-A947-70E740481C1C}">
-                  <a14:useLocalDpi xmlns:a14="http://schemas.microsoft.com/office/drawing/2010/main" val="0"/>
-                </a:ext>
-              </a:extLst>
-            </a:blip>
-            <a:stretch>
-              <a:fillRect/>
-            </a:stretch>
-          </p:blipFill>
-          <p:spPr>
-            <a:xfrm>
-              <a:off x="3362325" y="371475"/>
-              <a:ext cx="5467350" cy="6115050"/>
-            </a:xfrm>
-            <a:prstGeom prst="rect">
-              <a:avLst/>
-            </a:prstGeom>
-          </p:spPr>
-        </p:pic>
-        <p:sp>
-          <p:nvSpPr>
-            <p:cNvPr id="6" name="Callout: linea piegata con bordo e barra in risalto 5">
-              <a:extLst>
-                <a:ext uri="{FF2B5EF4-FFF2-40B4-BE49-F238E27FC236}">
-                  <a16:creationId xmlns:a16="http://schemas.microsoft.com/office/drawing/2014/main" id="{4DEAFE44-A310-4B50-96DF-1C796E43C1EE}"/>
-                </a:ext>
-              </a:extLst>
-            </p:cNvPr>
-            <p:cNvSpPr/>
-            <p:nvPr/>
-          </p:nvSpPr>
-          <p:spPr>
-            <a:xfrm>
-              <a:off x="7122459" y="918322"/>
-              <a:ext cx="1181100" cy="210391"/>
-            </a:xfrm>
-            <a:prstGeom prst="accentBorderCallout2">
-              <a:avLst>
-                <a:gd name="adj1" fmla="val 18750"/>
-                <a:gd name="adj2" fmla="val -8333"/>
-                <a:gd name="adj3" fmla="val 18750"/>
-                <a:gd name="adj4" fmla="val -16667"/>
-                <a:gd name="adj5" fmla="val 284300"/>
-                <a:gd name="adj6" fmla="val -53498"/>
-              </a:avLst>
-            </a:prstGeom>
-            <a:ln w="19050">
-              <a:solidFill>
-                <a:schemeClr val="accent4"/>
-              </a:solidFill>
-            </a:ln>
-          </p:spPr>
-          <p:style>
-            <a:lnRef idx="2">
-              <a:schemeClr val="accent1"/>
-            </a:lnRef>
-            <a:fillRef idx="1">
-              <a:schemeClr val="lt1"/>
-            </a:fillRef>
-            <a:effectRef idx="0">
-              <a:schemeClr val="accent1"/>
-            </a:effectRef>
-            <a:fontRef idx="minor">
-              <a:schemeClr val="dk1"/>
-            </a:fontRef>
-          </p:style>
-          <p:txBody>
-            <a:bodyPr rtlCol="0" anchor="ctr"/>
-            <a:lstStyle/>
-            <a:p>
-              <a:pPr algn="ctr"/>
-              <a:r>
-                <a:rPr lang="it-IT" sz="1600" dirty="0" err="1">
-                  <a:solidFill>
-                    <a:schemeClr val="accent1">
-                      <a:lumMod val="75000"/>
-                    </a:schemeClr>
-                  </a:solidFill>
-                </a:rPr>
-                <a:t>Iron</a:t>
-              </a:r>
-              <a:r>
-                <a:rPr lang="it-IT" sz="1600" dirty="0">
-                  <a:solidFill>
-                    <a:schemeClr val="accent1">
-                      <a:lumMod val="75000"/>
-                    </a:schemeClr>
-                  </a:solidFill>
-                </a:rPr>
-                <a:t> </a:t>
-              </a:r>
-              <a:r>
-                <a:rPr lang="it-IT" sz="1600" dirty="0" err="1">
-                  <a:solidFill>
-                    <a:schemeClr val="accent1">
-                      <a:lumMod val="75000"/>
-                    </a:schemeClr>
-                  </a:solidFill>
-                </a:rPr>
-                <a:t>Yoke</a:t>
-              </a:r>
-              <a:endParaRPr lang="it-IT" sz="1600" dirty="0">
-                <a:solidFill>
-                  <a:schemeClr val="accent1">
-                    <a:lumMod val="75000"/>
-                  </a:schemeClr>
-                </a:solidFill>
-              </a:endParaRPr>
-            </a:p>
-          </p:txBody>
-        </p:sp>
-        <p:sp>
-          <p:nvSpPr>
-            <p:cNvPr id="7" name="Callout: linea piegata con bordo e barra in risalto 6">
-              <a:extLst>
-                <a:ext uri="{FF2B5EF4-FFF2-40B4-BE49-F238E27FC236}">
-                  <a16:creationId xmlns:a16="http://schemas.microsoft.com/office/drawing/2014/main" id="{20C9537C-F19C-463C-AA2C-47C8F334EA3F}"/>
-                </a:ext>
-              </a:extLst>
-            </p:cNvPr>
-            <p:cNvSpPr/>
-            <p:nvPr/>
-          </p:nvSpPr>
-          <p:spPr>
-            <a:xfrm>
-              <a:off x="8398809" y="2004172"/>
-              <a:ext cx="2326342" cy="224678"/>
-            </a:xfrm>
-            <a:prstGeom prst="accentBorderCallout2">
-              <a:avLst>
-                <a:gd name="adj1" fmla="val 18750"/>
-                <a:gd name="adj2" fmla="val -8333"/>
-                <a:gd name="adj3" fmla="val 18750"/>
-                <a:gd name="adj4" fmla="val -16667"/>
-                <a:gd name="adj5" fmla="val 270718"/>
-                <a:gd name="adj6" fmla="val -36188"/>
-              </a:avLst>
-            </a:prstGeom>
-            <a:ln w="19050">
-              <a:solidFill>
-                <a:schemeClr val="accent4"/>
-              </a:solidFill>
-            </a:ln>
-          </p:spPr>
-          <p:style>
-            <a:lnRef idx="2">
-              <a:schemeClr val="accent1"/>
-            </a:lnRef>
-            <a:fillRef idx="1">
-              <a:schemeClr val="lt1"/>
-            </a:fillRef>
-            <a:effectRef idx="0">
-              <a:schemeClr val="accent1"/>
-            </a:effectRef>
-            <a:fontRef idx="minor">
-              <a:schemeClr val="dk1"/>
-            </a:fontRef>
-          </p:style>
-          <p:txBody>
-            <a:bodyPr rtlCol="0" anchor="ctr"/>
-            <a:lstStyle/>
-            <a:p>
-              <a:pPr algn="ctr"/>
-              <a:r>
-                <a:rPr lang="it-IT" sz="1600" dirty="0">
-                  <a:solidFill>
-                    <a:schemeClr val="accent1">
-                      <a:lumMod val="75000"/>
-                    </a:schemeClr>
-                  </a:solidFill>
-                </a:rPr>
-                <a:t>Super-</a:t>
-              </a:r>
-              <a:r>
-                <a:rPr lang="it-IT" sz="1600" dirty="0" err="1">
-                  <a:solidFill>
-                    <a:schemeClr val="accent1">
-                      <a:lumMod val="75000"/>
-                    </a:schemeClr>
-                  </a:solidFill>
-                </a:rPr>
-                <a:t>conducting</a:t>
-              </a:r>
-              <a:r>
-                <a:rPr lang="it-IT" sz="1600" dirty="0">
-                  <a:solidFill>
-                    <a:schemeClr val="accent1">
-                      <a:lumMod val="75000"/>
-                    </a:schemeClr>
-                  </a:solidFill>
-                </a:rPr>
-                <a:t> </a:t>
-              </a:r>
-              <a:r>
-                <a:rPr lang="it-IT" sz="1600" dirty="0" err="1">
-                  <a:solidFill>
-                    <a:schemeClr val="accent1">
-                      <a:lumMod val="75000"/>
-                    </a:schemeClr>
-                  </a:solidFill>
-                </a:rPr>
-                <a:t>magnet</a:t>
-              </a:r>
-              <a:endParaRPr lang="it-IT" sz="1600" dirty="0">
-                <a:solidFill>
-                  <a:schemeClr val="accent1">
-                    <a:lumMod val="75000"/>
-                  </a:schemeClr>
-                </a:solidFill>
-              </a:endParaRPr>
-            </a:p>
-          </p:txBody>
-        </p:sp>
-        <p:sp>
-          <p:nvSpPr>
-            <p:cNvPr id="8" name="Callout: linea piegata con bordo e barra in risalto 7">
-              <a:extLst>
-                <a:ext uri="{FF2B5EF4-FFF2-40B4-BE49-F238E27FC236}">
-                  <a16:creationId xmlns:a16="http://schemas.microsoft.com/office/drawing/2014/main" id="{6655F8A4-8BA5-4672-B5E4-7DBC59B2919A}"/>
-                </a:ext>
-              </a:extLst>
-            </p:cNvPr>
-            <p:cNvSpPr/>
-            <p:nvPr/>
-          </p:nvSpPr>
-          <p:spPr>
-            <a:xfrm>
-              <a:off x="8303559" y="2832847"/>
-              <a:ext cx="1088091" cy="210391"/>
-            </a:xfrm>
-            <a:prstGeom prst="accentBorderCallout2">
-              <a:avLst>
-                <a:gd name="adj1" fmla="val 18750"/>
-                <a:gd name="adj2" fmla="val -8333"/>
-                <a:gd name="adj3" fmla="val 18750"/>
-                <a:gd name="adj4" fmla="val -16667"/>
-                <a:gd name="adj5" fmla="val 243554"/>
-                <a:gd name="adj6" fmla="val -80833"/>
-              </a:avLst>
-            </a:prstGeom>
-            <a:ln w="19050">
-              <a:solidFill>
-                <a:schemeClr val="accent4"/>
-              </a:solidFill>
-            </a:ln>
-          </p:spPr>
-          <p:style>
-            <a:lnRef idx="2">
-              <a:schemeClr val="accent1"/>
-            </a:lnRef>
-            <a:fillRef idx="1">
-              <a:schemeClr val="lt1"/>
-            </a:fillRef>
-            <a:effectRef idx="0">
-              <a:schemeClr val="accent1"/>
-            </a:effectRef>
-            <a:fontRef idx="minor">
-              <a:schemeClr val="dk1"/>
-            </a:fontRef>
-          </p:style>
-          <p:txBody>
-            <a:bodyPr rtlCol="0" anchor="ctr"/>
-            <a:lstStyle/>
-            <a:p>
-              <a:pPr algn="ctr"/>
-              <a:r>
-                <a:rPr lang="it-IT" sz="1600" dirty="0">
-                  <a:solidFill>
-                    <a:schemeClr val="accent1">
-                      <a:lumMod val="75000"/>
-                    </a:schemeClr>
-                  </a:solidFill>
-                </a:rPr>
-                <a:t>ECAL</a:t>
-              </a:r>
-            </a:p>
-          </p:txBody>
-        </p:sp>
-        <p:sp>
-          <p:nvSpPr>
-            <p:cNvPr id="9" name="Callout: linea piegata con bordo e barra in risalto 8">
-              <a:extLst>
-                <a:ext uri="{FF2B5EF4-FFF2-40B4-BE49-F238E27FC236}">
-                  <a16:creationId xmlns:a16="http://schemas.microsoft.com/office/drawing/2014/main" id="{D2B8872A-1E2E-4A33-A024-8F9358A1F868}"/>
-                </a:ext>
-              </a:extLst>
-            </p:cNvPr>
-            <p:cNvSpPr/>
-            <p:nvPr/>
-          </p:nvSpPr>
-          <p:spPr>
-            <a:xfrm>
-              <a:off x="8303559" y="4166347"/>
-              <a:ext cx="1088091" cy="210391"/>
-            </a:xfrm>
-            <a:prstGeom prst="accentBorderCallout2">
-              <a:avLst>
-                <a:gd name="adj1" fmla="val 18750"/>
-                <a:gd name="adj2" fmla="val -8333"/>
-                <a:gd name="adj3" fmla="val 18750"/>
-                <a:gd name="adj4" fmla="val -16667"/>
-                <a:gd name="adj5" fmla="val -150320"/>
-                <a:gd name="adj6" fmla="val -140359"/>
-              </a:avLst>
-            </a:prstGeom>
-            <a:ln w="19050">
-              <a:solidFill>
-                <a:schemeClr val="accent4"/>
-              </a:solidFill>
-            </a:ln>
-          </p:spPr>
-          <p:style>
-            <a:lnRef idx="2">
-              <a:schemeClr val="accent1"/>
-            </a:lnRef>
-            <a:fillRef idx="1">
-              <a:schemeClr val="lt1"/>
-            </a:fillRef>
-            <a:effectRef idx="0">
-              <a:schemeClr val="accent1"/>
-            </a:effectRef>
-            <a:fontRef idx="minor">
-              <a:schemeClr val="dk1"/>
-            </a:fontRef>
-          </p:style>
-          <p:txBody>
-            <a:bodyPr rtlCol="0" anchor="ctr"/>
-            <a:lstStyle/>
-            <a:p>
-              <a:pPr algn="ctr"/>
-              <a:r>
-                <a:rPr lang="it-IT" sz="1600" dirty="0">
-                  <a:solidFill>
-                    <a:schemeClr val="accent1">
-                      <a:lumMod val="75000"/>
-                    </a:schemeClr>
-                  </a:solidFill>
-                </a:rPr>
-                <a:t>STT</a:t>
-              </a:r>
-            </a:p>
-          </p:txBody>
-        </p:sp>
-        <p:sp>
-          <p:nvSpPr>
-            <p:cNvPr id="10" name="Callout: linea piegata con bordo e barra in risalto 9">
-              <a:extLst>
-                <a:ext uri="{FF2B5EF4-FFF2-40B4-BE49-F238E27FC236}">
-                  <a16:creationId xmlns:a16="http://schemas.microsoft.com/office/drawing/2014/main" id="{88826541-090A-4479-8735-45ABBB90BC34}"/>
-                </a:ext>
-              </a:extLst>
-            </p:cNvPr>
-            <p:cNvSpPr/>
-            <p:nvPr/>
-          </p:nvSpPr>
-          <p:spPr>
-            <a:xfrm>
-              <a:off x="5735471" y="3019426"/>
-              <a:ext cx="1345223" cy="210391"/>
-            </a:xfrm>
-            <a:prstGeom prst="accentBorderCallout2">
-              <a:avLst>
-                <a:gd name="adj1" fmla="val 18750"/>
-                <a:gd name="adj2" fmla="val -8333"/>
-                <a:gd name="adj3" fmla="val 18750"/>
-                <a:gd name="adj4" fmla="val -16667"/>
-                <a:gd name="adj5" fmla="val 190620"/>
-                <a:gd name="adj6" fmla="val -62789"/>
-              </a:avLst>
-            </a:prstGeom>
-            <a:ln w="19050">
-              <a:solidFill>
-                <a:schemeClr val="accent4"/>
-              </a:solidFill>
-            </a:ln>
-          </p:spPr>
-          <p:style>
-            <a:lnRef idx="2">
-              <a:schemeClr val="accent1"/>
-            </a:lnRef>
-            <a:fillRef idx="1">
-              <a:schemeClr val="lt1"/>
-            </a:fillRef>
-            <a:effectRef idx="0">
-              <a:schemeClr val="accent1"/>
-            </a:effectRef>
-            <a:fontRef idx="minor">
-              <a:schemeClr val="dk1"/>
-            </a:fontRef>
-          </p:style>
-          <p:txBody>
-            <a:bodyPr rtlCol="0" anchor="ctr"/>
-            <a:lstStyle/>
-            <a:p>
-              <a:pPr algn="ctr"/>
-              <a:r>
-                <a:rPr lang="it-IT" sz="1600" dirty="0" err="1">
-                  <a:solidFill>
-                    <a:schemeClr val="accent1">
-                      <a:lumMod val="75000"/>
-                    </a:schemeClr>
-                  </a:solidFill>
-                </a:rPr>
-                <a:t>LAr</a:t>
-              </a:r>
-              <a:r>
-                <a:rPr lang="it-IT" sz="1600" dirty="0">
-                  <a:solidFill>
-                    <a:schemeClr val="accent1">
-                      <a:lumMod val="75000"/>
-                    </a:schemeClr>
-                  </a:solidFill>
-                </a:rPr>
-                <a:t> </a:t>
-              </a:r>
-              <a:r>
-                <a:rPr lang="it-IT" sz="1600" dirty="0" err="1">
-                  <a:solidFill>
-                    <a:schemeClr val="accent1">
-                      <a:lumMod val="75000"/>
-                    </a:schemeClr>
-                  </a:solidFill>
-                </a:rPr>
-                <a:t>Meniscus</a:t>
-              </a:r>
-              <a:r>
-                <a:rPr lang="it-IT" sz="1600" dirty="0">
-                  <a:solidFill>
-                    <a:schemeClr val="accent1">
-                      <a:lumMod val="75000"/>
-                    </a:schemeClr>
-                  </a:solidFill>
-                </a:rPr>
-                <a:t> </a:t>
-              </a:r>
-            </a:p>
-          </p:txBody>
-        </p:sp>
-      </p:grpSp>
-    </p:spTree>
-    <p:extLst>
-      <p:ext uri="{BB962C8B-B14F-4D97-AF65-F5344CB8AC3E}">
-        <p14:creationId xmlns:p14="http://schemas.microsoft.com/office/powerpoint/2010/main" val="939258598"/>
-      </p:ext>
-    </p:extLst>
-  </p:cSld>
-  <p:clrMapOvr>
-    <a:masterClrMapping/>
-  </p:clrMapOvr>
-</p:sld>
-</file>
-
 <file path=ppt/theme/theme1.xml><?xml version="1.0" encoding="utf-8"?>
 <a:theme xmlns:a="http://schemas.openxmlformats.org/drawingml/2006/main" name="Tema di Office">
   <a:themeElements>
